--- a/settings/thumbnail_template.pptx
+++ b/settings/thumbnail_template.pptx
@@ -271,7 +271,7 @@
           <a:p>
             <a:fld id="{545B435B-0517-4A62-AE29-E71636ACE21E}" type="datetimeFigureOut">
               <a:rPr lang="ko-KR" altLang="en-US" smtClean="0"/>
-              <a:t>2022-06-16</a:t>
+              <a:t>2022-06-18</a:t>
             </a:fld>
             <a:endParaRPr lang="ko-KR" altLang="en-US"/>
           </a:p>
@@ -469,7 +469,7 @@
           <a:p>
             <a:fld id="{545B435B-0517-4A62-AE29-E71636ACE21E}" type="datetimeFigureOut">
               <a:rPr lang="ko-KR" altLang="en-US" smtClean="0"/>
-              <a:t>2022-06-16</a:t>
+              <a:t>2022-06-18</a:t>
             </a:fld>
             <a:endParaRPr lang="ko-KR" altLang="en-US"/>
           </a:p>
@@ -677,7 +677,7 @@
           <a:p>
             <a:fld id="{545B435B-0517-4A62-AE29-E71636ACE21E}" type="datetimeFigureOut">
               <a:rPr lang="ko-KR" altLang="en-US" smtClean="0"/>
-              <a:t>2022-06-16</a:t>
+              <a:t>2022-06-18</a:t>
             </a:fld>
             <a:endParaRPr lang="ko-KR" altLang="en-US"/>
           </a:p>
@@ -875,7 +875,7 @@
           <a:p>
             <a:fld id="{545B435B-0517-4A62-AE29-E71636ACE21E}" type="datetimeFigureOut">
               <a:rPr lang="ko-KR" altLang="en-US" smtClean="0"/>
-              <a:t>2022-06-16</a:t>
+              <a:t>2022-06-18</a:t>
             </a:fld>
             <a:endParaRPr lang="ko-KR" altLang="en-US"/>
           </a:p>
@@ -1150,7 +1150,7 @@
           <a:p>
             <a:fld id="{545B435B-0517-4A62-AE29-E71636ACE21E}" type="datetimeFigureOut">
               <a:rPr lang="ko-KR" altLang="en-US" smtClean="0"/>
-              <a:t>2022-06-16</a:t>
+              <a:t>2022-06-18</a:t>
             </a:fld>
             <a:endParaRPr lang="ko-KR" altLang="en-US"/>
           </a:p>
@@ -1415,7 +1415,7 @@
           <a:p>
             <a:fld id="{545B435B-0517-4A62-AE29-E71636ACE21E}" type="datetimeFigureOut">
               <a:rPr lang="ko-KR" altLang="en-US" smtClean="0"/>
-              <a:t>2022-06-16</a:t>
+              <a:t>2022-06-18</a:t>
             </a:fld>
             <a:endParaRPr lang="ko-KR" altLang="en-US"/>
           </a:p>
@@ -1827,7 +1827,7 @@
           <a:p>
             <a:fld id="{545B435B-0517-4A62-AE29-E71636ACE21E}" type="datetimeFigureOut">
               <a:rPr lang="ko-KR" altLang="en-US" smtClean="0"/>
-              <a:t>2022-06-16</a:t>
+              <a:t>2022-06-18</a:t>
             </a:fld>
             <a:endParaRPr lang="ko-KR" altLang="en-US"/>
           </a:p>
@@ -1968,7 +1968,7 @@
           <a:p>
             <a:fld id="{545B435B-0517-4A62-AE29-E71636ACE21E}" type="datetimeFigureOut">
               <a:rPr lang="ko-KR" altLang="en-US" smtClean="0"/>
-              <a:t>2022-06-16</a:t>
+              <a:t>2022-06-18</a:t>
             </a:fld>
             <a:endParaRPr lang="ko-KR" altLang="en-US"/>
           </a:p>
@@ -2081,7 +2081,7 @@
           <a:p>
             <a:fld id="{545B435B-0517-4A62-AE29-E71636ACE21E}" type="datetimeFigureOut">
               <a:rPr lang="ko-KR" altLang="en-US" smtClean="0"/>
-              <a:t>2022-06-16</a:t>
+              <a:t>2022-06-18</a:t>
             </a:fld>
             <a:endParaRPr lang="ko-KR" altLang="en-US"/>
           </a:p>
@@ -2392,7 +2392,7 @@
           <a:p>
             <a:fld id="{545B435B-0517-4A62-AE29-E71636ACE21E}" type="datetimeFigureOut">
               <a:rPr lang="ko-KR" altLang="en-US" smtClean="0"/>
-              <a:t>2022-06-16</a:t>
+              <a:t>2022-06-18</a:t>
             </a:fld>
             <a:endParaRPr lang="ko-KR" altLang="en-US"/>
           </a:p>
@@ -2680,7 +2680,7 @@
           <a:p>
             <a:fld id="{545B435B-0517-4A62-AE29-E71636ACE21E}" type="datetimeFigureOut">
               <a:rPr lang="ko-KR" altLang="en-US" smtClean="0"/>
-              <a:t>2022-06-16</a:t>
+              <a:t>2022-06-18</a:t>
             </a:fld>
             <a:endParaRPr lang="ko-KR" altLang="en-US"/>
           </a:p>
@@ -2921,7 +2921,7 @@
           <a:p>
             <a:fld id="{545B435B-0517-4A62-AE29-E71636ACE21E}" type="datetimeFigureOut">
               <a:rPr lang="ko-KR" altLang="en-US" smtClean="0"/>
-              <a:t>2022-06-16</a:t>
+              <a:t>2022-06-18</a:t>
             </a:fld>
             <a:endParaRPr lang="ko-KR" altLang="en-US"/>
           </a:p>
@@ -3851,8 +3851,8 @@
         </p:nvSpPr>
         <p:spPr>
           <a:xfrm>
-            <a:off x="4139073" y="6212133"/>
-            <a:ext cx="3913851" cy="246221"/>
+            <a:off x="3267104" y="6212133"/>
+            <a:ext cx="5657786" cy="246221"/>
           </a:xfrm>
           <a:prstGeom prst="rect">
             <a:avLst/>
@@ -3874,18 +3874,11 @@
               <a:t>Codeforces</a:t>
             </a:r>
             <a:r>
-              <a:rPr lang="ko-KR" altLang="en-US" sz="1000" dirty="0">
-                <a:latin typeface="나눔고딕 ExtraBold" panose="020D0904000000000000" pitchFamily="50" charset="-127"/>
-                <a:ea typeface="나눔고딕 ExtraBold" panose="020D0904000000000000" pitchFamily="50" charset="-127"/>
-              </a:rPr>
-              <a:t> </a:t>
-            </a:r>
-            <a:r>
               <a:rPr lang="en-US" altLang="ko-KR" sz="1000" dirty="0">
                 <a:latin typeface="나눔고딕 ExtraBold" panose="020D0904000000000000" pitchFamily="50" charset="-127"/>
                 <a:ea typeface="나눔고딕 ExtraBold" panose="020D0904000000000000" pitchFamily="50" charset="-127"/>
               </a:rPr>
-              <a:t>Round #800 (Div. 2)</a:t>
+              <a:t> Round #801 (Div. 2) and EPIC Institute of Technology Round</a:t>
             </a:r>
             <a:endParaRPr lang="ko-KR" altLang="en-US" sz="1000" dirty="0">
               <a:latin typeface="나눔고딕 ExtraBold" panose="020D0904000000000000" pitchFamily="50" charset="-127"/>
@@ -3928,7 +3921,7 @@
                 <a:latin typeface="나눔고딕 ExtraBold" panose="020D0904000000000000" pitchFamily="50" charset="-127"/>
                 <a:ea typeface="나눔고딕 ExtraBold" panose="020D0904000000000000" pitchFamily="50" charset="-127"/>
               </a:rPr>
-              <a:t>Jun/16/2022/23:35</a:t>
+              <a:t>Jun/18/2022 23:35</a:t>
             </a:r>
             <a:endParaRPr lang="ko-KR" altLang="en-US" sz="1000" dirty="0">
               <a:latin typeface="나눔고딕 ExtraBold" panose="020D0904000000000000" pitchFamily="50" charset="-127"/>

--- a/settings/thumbnail_template.pptx
+++ b/settings/thumbnail_template.pptx
@@ -7,6 +7,7 @@
   <p:sldIdLst>
     <p:sldId id="256" r:id="rId2"/>
     <p:sldId id="257" r:id="rId3"/>
+    <p:sldId id="258" r:id="rId4"/>
   </p:sldIdLst>
   <p:sldSz cx="12192000" cy="6858000"/>
   <p:notesSz cx="6858000" cy="9144000"/>
@@ -271,7 +272,7 @@
           <a:p>
             <a:fld id="{545B435B-0517-4A62-AE29-E71636ACE21E}" type="datetimeFigureOut">
               <a:rPr lang="ko-KR" altLang="en-US" smtClean="0"/>
-              <a:t>2022-06-18</a:t>
+              <a:t>2022-06-19</a:t>
             </a:fld>
             <a:endParaRPr lang="ko-KR" altLang="en-US"/>
           </a:p>
@@ -469,7 +470,7 @@
           <a:p>
             <a:fld id="{545B435B-0517-4A62-AE29-E71636ACE21E}" type="datetimeFigureOut">
               <a:rPr lang="ko-KR" altLang="en-US" smtClean="0"/>
-              <a:t>2022-06-18</a:t>
+              <a:t>2022-06-19</a:t>
             </a:fld>
             <a:endParaRPr lang="ko-KR" altLang="en-US"/>
           </a:p>
@@ -677,7 +678,7 @@
           <a:p>
             <a:fld id="{545B435B-0517-4A62-AE29-E71636ACE21E}" type="datetimeFigureOut">
               <a:rPr lang="ko-KR" altLang="en-US" smtClean="0"/>
-              <a:t>2022-06-18</a:t>
+              <a:t>2022-06-19</a:t>
             </a:fld>
             <a:endParaRPr lang="ko-KR" altLang="en-US"/>
           </a:p>
@@ -875,7 +876,7 @@
           <a:p>
             <a:fld id="{545B435B-0517-4A62-AE29-E71636ACE21E}" type="datetimeFigureOut">
               <a:rPr lang="ko-KR" altLang="en-US" smtClean="0"/>
-              <a:t>2022-06-18</a:t>
+              <a:t>2022-06-19</a:t>
             </a:fld>
             <a:endParaRPr lang="ko-KR" altLang="en-US"/>
           </a:p>
@@ -1150,7 +1151,7 @@
           <a:p>
             <a:fld id="{545B435B-0517-4A62-AE29-E71636ACE21E}" type="datetimeFigureOut">
               <a:rPr lang="ko-KR" altLang="en-US" smtClean="0"/>
-              <a:t>2022-06-18</a:t>
+              <a:t>2022-06-19</a:t>
             </a:fld>
             <a:endParaRPr lang="ko-KR" altLang="en-US"/>
           </a:p>
@@ -1415,7 +1416,7 @@
           <a:p>
             <a:fld id="{545B435B-0517-4A62-AE29-E71636ACE21E}" type="datetimeFigureOut">
               <a:rPr lang="ko-KR" altLang="en-US" smtClean="0"/>
-              <a:t>2022-06-18</a:t>
+              <a:t>2022-06-19</a:t>
             </a:fld>
             <a:endParaRPr lang="ko-KR" altLang="en-US"/>
           </a:p>
@@ -1827,7 +1828,7 @@
           <a:p>
             <a:fld id="{545B435B-0517-4A62-AE29-E71636ACE21E}" type="datetimeFigureOut">
               <a:rPr lang="ko-KR" altLang="en-US" smtClean="0"/>
-              <a:t>2022-06-18</a:t>
+              <a:t>2022-06-19</a:t>
             </a:fld>
             <a:endParaRPr lang="ko-KR" altLang="en-US"/>
           </a:p>
@@ -1968,7 +1969,7 @@
           <a:p>
             <a:fld id="{545B435B-0517-4A62-AE29-E71636ACE21E}" type="datetimeFigureOut">
               <a:rPr lang="ko-KR" altLang="en-US" smtClean="0"/>
-              <a:t>2022-06-18</a:t>
+              <a:t>2022-06-19</a:t>
             </a:fld>
             <a:endParaRPr lang="ko-KR" altLang="en-US"/>
           </a:p>
@@ -2081,7 +2082,7 @@
           <a:p>
             <a:fld id="{545B435B-0517-4A62-AE29-E71636ACE21E}" type="datetimeFigureOut">
               <a:rPr lang="ko-KR" altLang="en-US" smtClean="0"/>
-              <a:t>2022-06-18</a:t>
+              <a:t>2022-06-19</a:t>
             </a:fld>
             <a:endParaRPr lang="ko-KR" altLang="en-US"/>
           </a:p>
@@ -2392,7 +2393,7 @@
           <a:p>
             <a:fld id="{545B435B-0517-4A62-AE29-E71636ACE21E}" type="datetimeFigureOut">
               <a:rPr lang="ko-KR" altLang="en-US" smtClean="0"/>
-              <a:t>2022-06-18</a:t>
+              <a:t>2022-06-19</a:t>
             </a:fld>
             <a:endParaRPr lang="ko-KR" altLang="en-US"/>
           </a:p>
@@ -2680,7 +2681,7 @@
           <a:p>
             <a:fld id="{545B435B-0517-4A62-AE29-E71636ACE21E}" type="datetimeFigureOut">
               <a:rPr lang="ko-KR" altLang="en-US" smtClean="0"/>
-              <a:t>2022-06-18</a:t>
+              <a:t>2022-06-19</a:t>
             </a:fld>
             <a:endParaRPr lang="ko-KR" altLang="en-US"/>
           </a:p>
@@ -2921,7 +2922,7 @@
           <a:p>
             <a:fld id="{545B435B-0517-4A62-AE29-E71636ACE21E}" type="datetimeFigureOut">
               <a:rPr lang="ko-KR" altLang="en-US" smtClean="0"/>
-              <a:t>2022-06-18</a:t>
+              <a:t>2022-06-19</a:t>
             </a:fld>
             <a:endParaRPr lang="ko-KR" altLang="en-US"/>
           </a:p>
@@ -3986,6 +3987,331 @@
 </p:sld>
 </file>
 
+<file path=ppt/slides/slide3.xml><?xml version="1.0" encoding="utf-8"?>
+<p:sld xmlns:a="http://schemas.openxmlformats.org/drawingml/2006/main" xmlns:r="http://schemas.openxmlformats.org/officeDocument/2006/relationships" xmlns:p="http://schemas.openxmlformats.org/presentationml/2006/main">
+  <p:cSld>
+    <p:spTree>
+      <p:nvGrpSpPr>
+        <p:cNvPr id="1" name=""/>
+        <p:cNvGrpSpPr/>
+        <p:nvPr/>
+      </p:nvGrpSpPr>
+      <p:grpSpPr>
+        <a:xfrm>
+          <a:off x="0" y="0"/>
+          <a:ext cx="0" cy="0"/>
+          <a:chOff x="0" y="0"/>
+          <a:chExt cx="0" cy="0"/>
+        </a:xfrm>
+      </p:grpSpPr>
+      <p:pic>
+        <p:nvPicPr>
+          <p:cNvPr id="1026" name="Picture 2">
+            <a:extLst>
+              <a:ext uri="{FF2B5EF4-FFF2-40B4-BE49-F238E27FC236}">
+                <a16:creationId xmlns:a16="http://schemas.microsoft.com/office/drawing/2014/main" id="{512A3C73-3F1E-9DFA-C6AA-339BDB94AD8C}"/>
+              </a:ext>
+            </a:extLst>
+          </p:cNvPr>
+          <p:cNvPicPr>
+            <a:picLocks noChangeAspect="1" noChangeArrowheads="1"/>
+          </p:cNvPicPr>
+          <p:nvPr/>
+        </p:nvPicPr>
+        <p:blipFill rotWithShape="1">
+          <a:blip r:embed="rId2">
+            <a:extLst>
+              <a:ext uri="{28A0092B-C50C-407E-A947-70E740481C1C}">
+                <a14:useLocalDpi xmlns:a14="http://schemas.microsoft.com/office/drawing/2010/main" val="0"/>
+              </a:ext>
+            </a:extLst>
+          </a:blip>
+          <a:srcRect r="85115"/>
+          <a:stretch/>
+        </p:blipFill>
+        <p:spPr bwMode="auto">
+          <a:xfrm>
+            <a:off x="5113023" y="1729434"/>
+            <a:ext cx="1965959" cy="1558089"/>
+          </a:xfrm>
+          <a:prstGeom prst="rect">
+            <a:avLst/>
+          </a:prstGeom>
+          <a:noFill/>
+          <a:extLst>
+            <a:ext uri="{909E8E84-426E-40DD-AFC4-6F175D3DCCD1}">
+              <a14:hiddenFill xmlns:a14="http://schemas.microsoft.com/office/drawing/2010/main">
+                <a:solidFill>
+                  <a:srgbClr val="FFFFFF"/>
+                </a:solidFill>
+              </a14:hiddenFill>
+            </a:ext>
+          </a:extLst>
+        </p:spPr>
+      </p:pic>
+      <p:sp>
+        <p:nvSpPr>
+          <p:cNvPr id="4" name="TextBox 3">
+            <a:extLst>
+              <a:ext uri="{FF2B5EF4-FFF2-40B4-BE49-F238E27FC236}">
+                <a16:creationId xmlns:a16="http://schemas.microsoft.com/office/drawing/2014/main" id="{A803538B-1FB9-521B-5919-89A49B179058}"/>
+              </a:ext>
+            </a:extLst>
+          </p:cNvPr>
+          <p:cNvSpPr txBox="1"/>
+          <p:nvPr/>
+        </p:nvSpPr>
+        <p:spPr>
+          <a:xfrm>
+            <a:off x="3801140" y="3246545"/>
+            <a:ext cx="4589718" cy="769441"/>
+          </a:xfrm>
+          <a:prstGeom prst="rect">
+            <a:avLst/>
+          </a:prstGeom>
+          <a:noFill/>
+        </p:spPr>
+        <p:txBody>
+          <a:bodyPr wrap="none" rtlCol="0">
+            <a:spAutoFit/>
+          </a:bodyPr>
+          <a:lstStyle/>
+          <a:p>
+            <a:pPr algn="ctr"/>
+            <a:r>
+              <a:rPr lang="en-US" altLang="ko-KR" sz="4400" dirty="0">
+                <a:solidFill>
+                  <a:srgbClr val="F8CB50"/>
+                </a:solidFill>
+                <a:latin typeface="나눔고딕 ExtraBold" panose="020D0904000000000000" pitchFamily="50" charset="-127"/>
+                <a:ea typeface="나눔고딕 ExtraBold" panose="020D0904000000000000" pitchFamily="50" charset="-127"/>
+              </a:rPr>
+              <a:t>seong</a:t>
+            </a:r>
+            <a:r>
+              <a:rPr lang="en-US" altLang="ko-KR" sz="4400" dirty="0">
+                <a:solidFill>
+                  <a:srgbClr val="188BCB"/>
+                </a:solidFill>
+                <a:latin typeface="나눔고딕 ExtraBold" panose="020D0904000000000000" pitchFamily="50" charset="-127"/>
+                <a:ea typeface="나눔고딕 ExtraBold" panose="020D0904000000000000" pitchFamily="50" charset="-127"/>
+              </a:rPr>
+              <a:t>hwan</a:t>
+            </a:r>
+            <a:r>
+              <a:rPr lang="en-US" altLang="ko-KR" sz="4400" dirty="0">
+                <a:solidFill>
+                  <a:srgbClr val="B61D25"/>
+                </a:solidFill>
+                <a:latin typeface="나눔고딕 ExtraBold" panose="020D0904000000000000" pitchFamily="50" charset="-127"/>
+                <a:ea typeface="나눔고딕 ExtraBold" panose="020D0904000000000000" pitchFamily="50" charset="-127"/>
+              </a:rPr>
+              <a:t>7694</a:t>
+            </a:r>
+            <a:endParaRPr lang="ko-KR" altLang="en-US" sz="4400" dirty="0">
+              <a:solidFill>
+                <a:srgbClr val="B61D25"/>
+              </a:solidFill>
+              <a:latin typeface="나눔고딕 ExtraBold" panose="020D0904000000000000" pitchFamily="50" charset="-127"/>
+              <a:ea typeface="나눔고딕 ExtraBold" panose="020D0904000000000000" pitchFamily="50" charset="-127"/>
+            </a:endParaRPr>
+          </a:p>
+        </p:txBody>
+      </p:sp>
+      <p:pic>
+        <p:nvPicPr>
+          <p:cNvPr id="6" name="Picture 2">
+            <a:extLst>
+              <a:ext uri="{FF2B5EF4-FFF2-40B4-BE49-F238E27FC236}">
+                <a16:creationId xmlns:a16="http://schemas.microsoft.com/office/drawing/2014/main" id="{A09710D7-29F1-4631-7442-31D133536E41}"/>
+              </a:ext>
+            </a:extLst>
+          </p:cNvPr>
+          <p:cNvPicPr>
+            <a:picLocks noChangeAspect="1" noChangeArrowheads="1"/>
+          </p:cNvPicPr>
+          <p:nvPr/>
+        </p:nvPicPr>
+        <p:blipFill rotWithShape="1">
+          <a:blip r:embed="rId2">
+            <a:extLst>
+              <a:ext uri="{28A0092B-C50C-407E-A947-70E740481C1C}">
+                <a14:useLocalDpi xmlns:a14="http://schemas.microsoft.com/office/drawing/2010/main" val="0"/>
+              </a:ext>
+            </a:extLst>
+          </a:blip>
+          <a:srcRect l="19591" t="419" r="-3214" b="-419"/>
+          <a:stretch/>
+        </p:blipFill>
+        <p:spPr bwMode="auto">
+          <a:xfrm>
+            <a:off x="2584940" y="1992678"/>
+            <a:ext cx="7022119" cy="990623"/>
+          </a:xfrm>
+          <a:prstGeom prst="rect">
+            <a:avLst/>
+          </a:prstGeom>
+          <a:noFill/>
+          <a:extLst>
+            <a:ext uri="{909E8E84-426E-40DD-AFC4-6F175D3DCCD1}">
+              <a14:hiddenFill xmlns:a14="http://schemas.microsoft.com/office/drawing/2010/main">
+                <a:solidFill>
+                  <a:srgbClr val="FFFFFF"/>
+                </a:solidFill>
+              </a14:hiddenFill>
+            </a:ext>
+          </a:extLst>
+        </p:spPr>
+      </p:pic>
+      <p:sp>
+        <p:nvSpPr>
+          <p:cNvPr id="13" name="TextBox 12">
+            <a:extLst>
+              <a:ext uri="{FF2B5EF4-FFF2-40B4-BE49-F238E27FC236}">
+                <a16:creationId xmlns:a16="http://schemas.microsoft.com/office/drawing/2014/main" id="{B5886C92-B77B-ECA5-7A04-32ED9D3732F6}"/>
+              </a:ext>
+            </a:extLst>
+          </p:cNvPr>
+          <p:cNvSpPr txBox="1"/>
+          <p:nvPr/>
+        </p:nvSpPr>
+        <p:spPr>
+          <a:xfrm>
+            <a:off x="4139073" y="6212133"/>
+            <a:ext cx="3913851" cy="246221"/>
+          </a:xfrm>
+          <a:prstGeom prst="rect">
+            <a:avLst/>
+          </a:prstGeom>
+          <a:noFill/>
+        </p:spPr>
+        <p:txBody>
+          <a:bodyPr wrap="square" rtlCol="0">
+            <a:spAutoFit/>
+          </a:bodyPr>
+          <a:lstStyle/>
+          <a:p>
+            <a:pPr algn="ctr"/>
+            <a:r>
+              <a:rPr lang="en-US" altLang="ko-KR" sz="1000" dirty="0" err="1">
+                <a:latin typeface="나눔고딕 ExtraBold" panose="020D0904000000000000" pitchFamily="50" charset="-127"/>
+                <a:ea typeface="나눔고딕 ExtraBold" panose="020D0904000000000000" pitchFamily="50" charset="-127"/>
+              </a:rPr>
+              <a:t>Codeforces</a:t>
+            </a:r>
+            <a:r>
+              <a:rPr lang="en-US" altLang="ko-KR" sz="1000" dirty="0">
+                <a:latin typeface="나눔고딕 ExtraBold" panose="020D0904000000000000" pitchFamily="50" charset="-127"/>
+                <a:ea typeface="나눔고딕 ExtraBold" panose="020D0904000000000000" pitchFamily="50" charset="-127"/>
+              </a:rPr>
+              <a:t> Round #802 (Div. 2)</a:t>
+            </a:r>
+            <a:endParaRPr lang="ko-KR" altLang="en-US" sz="1000" dirty="0">
+              <a:latin typeface="나눔고딕 ExtraBold" panose="020D0904000000000000" pitchFamily="50" charset="-127"/>
+              <a:ea typeface="나눔고딕 ExtraBold" panose="020D0904000000000000" pitchFamily="50" charset="-127"/>
+            </a:endParaRPr>
+          </a:p>
+        </p:txBody>
+      </p:sp>
+      <p:sp>
+        <p:nvSpPr>
+          <p:cNvPr id="14" name="TextBox 13">
+            <a:extLst>
+              <a:ext uri="{FF2B5EF4-FFF2-40B4-BE49-F238E27FC236}">
+                <a16:creationId xmlns:a16="http://schemas.microsoft.com/office/drawing/2014/main" id="{FA2E5DFE-16F0-2A6E-1FF9-3B27FA9F736B}"/>
+              </a:ext>
+            </a:extLst>
+          </p:cNvPr>
+          <p:cNvSpPr txBox="1"/>
+          <p:nvPr/>
+        </p:nvSpPr>
+        <p:spPr>
+          <a:xfrm>
+            <a:off x="4830769" y="6405767"/>
+            <a:ext cx="2530457" cy="246221"/>
+          </a:xfrm>
+          <a:prstGeom prst="rect">
+            <a:avLst/>
+          </a:prstGeom>
+          <a:noFill/>
+        </p:spPr>
+        <p:txBody>
+          <a:bodyPr wrap="square" rtlCol="0">
+            <a:spAutoFit/>
+          </a:bodyPr>
+          <a:lstStyle/>
+          <a:p>
+            <a:pPr algn="ctr"/>
+            <a:r>
+              <a:rPr lang="en-US" altLang="ko-KR" sz="1000" dirty="0">
+                <a:latin typeface="나눔고딕 ExtraBold" panose="020D0904000000000000" pitchFamily="50" charset="-127"/>
+                <a:ea typeface="나눔고딕 ExtraBold" panose="020D0904000000000000" pitchFamily="50" charset="-127"/>
+              </a:rPr>
+              <a:t>Jun/19/2022 18:05</a:t>
+            </a:r>
+            <a:endParaRPr lang="ko-KR" altLang="en-US" sz="1000" dirty="0">
+              <a:latin typeface="나눔고딕 ExtraBold" panose="020D0904000000000000" pitchFamily="50" charset="-127"/>
+              <a:ea typeface="나눔고딕 ExtraBold" panose="020D0904000000000000" pitchFamily="50" charset="-127"/>
+            </a:endParaRPr>
+          </a:p>
+        </p:txBody>
+      </p:sp>
+      <p:sp>
+        <p:nvSpPr>
+          <p:cNvPr id="15" name="TextBox 14">
+            <a:extLst>
+              <a:ext uri="{FF2B5EF4-FFF2-40B4-BE49-F238E27FC236}">
+                <a16:creationId xmlns:a16="http://schemas.microsoft.com/office/drawing/2014/main" id="{CFF8F96D-14B7-98DE-155C-5B347CCBC064}"/>
+              </a:ext>
+            </a:extLst>
+          </p:cNvPr>
+          <p:cNvSpPr txBox="1"/>
+          <p:nvPr/>
+        </p:nvSpPr>
+        <p:spPr>
+          <a:xfrm>
+            <a:off x="5279913" y="4466728"/>
+            <a:ext cx="1632178" cy="707886"/>
+          </a:xfrm>
+          <a:prstGeom prst="rect">
+            <a:avLst/>
+          </a:prstGeom>
+          <a:noFill/>
+        </p:spPr>
+        <p:txBody>
+          <a:bodyPr wrap="none" rtlCol="0">
+            <a:spAutoFit/>
+          </a:bodyPr>
+          <a:lstStyle/>
+          <a:p>
+            <a:pPr algn="ctr"/>
+            <a:r>
+              <a:rPr lang="ko-KR" altLang="en-US" sz="4000">
+                <a:latin typeface="나눔고딕 ExtraBold" panose="020D0904000000000000" pitchFamily="50" charset="-127"/>
+                <a:ea typeface="나눔고딕 ExtraBold" panose="020D0904000000000000" pitchFamily="50" charset="-127"/>
+              </a:rPr>
+              <a:t>풀어요</a:t>
+            </a:r>
+            <a:endParaRPr lang="ko-KR" altLang="en-US" sz="4000" dirty="0">
+              <a:latin typeface="나눔고딕 ExtraBold" panose="020D0904000000000000" pitchFamily="50" charset="-127"/>
+              <a:ea typeface="나눔고딕 ExtraBold" panose="020D0904000000000000" pitchFamily="50" charset="-127"/>
+            </a:endParaRPr>
+          </a:p>
+        </p:txBody>
+      </p:sp>
+    </p:spTree>
+    <p:extLst>
+      <p:ext uri="{BB962C8B-B14F-4D97-AF65-F5344CB8AC3E}">
+        <p14:creationId xmlns:p14="http://schemas.microsoft.com/office/powerpoint/2010/main" val="2890210801"/>
+      </p:ext>
+    </p:extLst>
+  </p:cSld>
+  <p:clrMapOvr>
+    <a:masterClrMapping/>
+  </p:clrMapOvr>
+</p:sld>
+</file>
+
 <file path=ppt/theme/theme1.xml><?xml version="1.0" encoding="utf-8"?>
 <a:theme xmlns:a="http://schemas.openxmlformats.org/drawingml/2006/main" name="Office 테마">
   <a:themeElements>

--- a/settings/thumbnail_template.pptx
+++ b/settings/thumbnail_template.pptx
@@ -8,6 +8,7 @@
     <p:sldId id="256" r:id="rId2"/>
     <p:sldId id="257" r:id="rId3"/>
     <p:sldId id="258" r:id="rId4"/>
+    <p:sldId id="259" r:id="rId5"/>
   </p:sldIdLst>
   <p:sldSz cx="12192000" cy="6858000"/>
   <p:notesSz cx="6858000" cy="9144000"/>
@@ -272,7 +273,7 @@
           <a:p>
             <a:fld id="{545B435B-0517-4A62-AE29-E71636ACE21E}" type="datetimeFigureOut">
               <a:rPr lang="ko-KR" altLang="en-US" smtClean="0"/>
-              <a:t>2022-06-19</a:t>
+              <a:t>2022-06-28</a:t>
             </a:fld>
             <a:endParaRPr lang="ko-KR" altLang="en-US"/>
           </a:p>
@@ -470,7 +471,7 @@
           <a:p>
             <a:fld id="{545B435B-0517-4A62-AE29-E71636ACE21E}" type="datetimeFigureOut">
               <a:rPr lang="ko-KR" altLang="en-US" smtClean="0"/>
-              <a:t>2022-06-19</a:t>
+              <a:t>2022-06-28</a:t>
             </a:fld>
             <a:endParaRPr lang="ko-KR" altLang="en-US"/>
           </a:p>
@@ -678,7 +679,7 @@
           <a:p>
             <a:fld id="{545B435B-0517-4A62-AE29-E71636ACE21E}" type="datetimeFigureOut">
               <a:rPr lang="ko-KR" altLang="en-US" smtClean="0"/>
-              <a:t>2022-06-19</a:t>
+              <a:t>2022-06-28</a:t>
             </a:fld>
             <a:endParaRPr lang="ko-KR" altLang="en-US"/>
           </a:p>
@@ -876,7 +877,7 @@
           <a:p>
             <a:fld id="{545B435B-0517-4A62-AE29-E71636ACE21E}" type="datetimeFigureOut">
               <a:rPr lang="ko-KR" altLang="en-US" smtClean="0"/>
-              <a:t>2022-06-19</a:t>
+              <a:t>2022-06-28</a:t>
             </a:fld>
             <a:endParaRPr lang="ko-KR" altLang="en-US"/>
           </a:p>
@@ -1151,7 +1152,7 @@
           <a:p>
             <a:fld id="{545B435B-0517-4A62-AE29-E71636ACE21E}" type="datetimeFigureOut">
               <a:rPr lang="ko-KR" altLang="en-US" smtClean="0"/>
-              <a:t>2022-06-19</a:t>
+              <a:t>2022-06-28</a:t>
             </a:fld>
             <a:endParaRPr lang="ko-KR" altLang="en-US"/>
           </a:p>
@@ -1416,7 +1417,7 @@
           <a:p>
             <a:fld id="{545B435B-0517-4A62-AE29-E71636ACE21E}" type="datetimeFigureOut">
               <a:rPr lang="ko-KR" altLang="en-US" smtClean="0"/>
-              <a:t>2022-06-19</a:t>
+              <a:t>2022-06-28</a:t>
             </a:fld>
             <a:endParaRPr lang="ko-KR" altLang="en-US"/>
           </a:p>
@@ -1828,7 +1829,7 @@
           <a:p>
             <a:fld id="{545B435B-0517-4A62-AE29-E71636ACE21E}" type="datetimeFigureOut">
               <a:rPr lang="ko-KR" altLang="en-US" smtClean="0"/>
-              <a:t>2022-06-19</a:t>
+              <a:t>2022-06-28</a:t>
             </a:fld>
             <a:endParaRPr lang="ko-KR" altLang="en-US"/>
           </a:p>
@@ -1969,7 +1970,7 @@
           <a:p>
             <a:fld id="{545B435B-0517-4A62-AE29-E71636ACE21E}" type="datetimeFigureOut">
               <a:rPr lang="ko-KR" altLang="en-US" smtClean="0"/>
-              <a:t>2022-06-19</a:t>
+              <a:t>2022-06-28</a:t>
             </a:fld>
             <a:endParaRPr lang="ko-KR" altLang="en-US"/>
           </a:p>
@@ -2082,7 +2083,7 @@
           <a:p>
             <a:fld id="{545B435B-0517-4A62-AE29-E71636ACE21E}" type="datetimeFigureOut">
               <a:rPr lang="ko-KR" altLang="en-US" smtClean="0"/>
-              <a:t>2022-06-19</a:t>
+              <a:t>2022-06-28</a:t>
             </a:fld>
             <a:endParaRPr lang="ko-KR" altLang="en-US"/>
           </a:p>
@@ -2393,7 +2394,7 @@
           <a:p>
             <a:fld id="{545B435B-0517-4A62-AE29-E71636ACE21E}" type="datetimeFigureOut">
               <a:rPr lang="ko-KR" altLang="en-US" smtClean="0"/>
-              <a:t>2022-06-19</a:t>
+              <a:t>2022-06-28</a:t>
             </a:fld>
             <a:endParaRPr lang="ko-KR" altLang="en-US"/>
           </a:p>
@@ -2681,7 +2682,7 @@
           <a:p>
             <a:fld id="{545B435B-0517-4A62-AE29-E71636ACE21E}" type="datetimeFigureOut">
               <a:rPr lang="ko-KR" altLang="en-US" smtClean="0"/>
-              <a:t>2022-06-19</a:t>
+              <a:t>2022-06-28</a:t>
             </a:fld>
             <a:endParaRPr lang="ko-KR" altLang="en-US"/>
           </a:p>
@@ -2922,7 +2923,7 @@
           <a:p>
             <a:fld id="{545B435B-0517-4A62-AE29-E71636ACE21E}" type="datetimeFigureOut">
               <a:rPr lang="ko-KR" altLang="en-US" smtClean="0"/>
-              <a:t>2022-06-19</a:t>
+              <a:t>2022-06-28</a:t>
             </a:fld>
             <a:endParaRPr lang="ko-KR" altLang="en-US"/>
           </a:p>
@@ -4312,6 +4313,331 @@
 </p:sld>
 </file>
 
+<file path=ppt/slides/slide4.xml><?xml version="1.0" encoding="utf-8"?>
+<p:sld xmlns:a="http://schemas.openxmlformats.org/drawingml/2006/main" xmlns:r="http://schemas.openxmlformats.org/officeDocument/2006/relationships" xmlns:p="http://schemas.openxmlformats.org/presentationml/2006/main">
+  <p:cSld>
+    <p:spTree>
+      <p:nvGrpSpPr>
+        <p:cNvPr id="1" name=""/>
+        <p:cNvGrpSpPr/>
+        <p:nvPr/>
+      </p:nvGrpSpPr>
+      <p:grpSpPr>
+        <a:xfrm>
+          <a:off x="0" y="0"/>
+          <a:ext cx="0" cy="0"/>
+          <a:chOff x="0" y="0"/>
+          <a:chExt cx="0" cy="0"/>
+        </a:xfrm>
+      </p:grpSpPr>
+      <p:pic>
+        <p:nvPicPr>
+          <p:cNvPr id="1026" name="Picture 2">
+            <a:extLst>
+              <a:ext uri="{FF2B5EF4-FFF2-40B4-BE49-F238E27FC236}">
+                <a16:creationId xmlns:a16="http://schemas.microsoft.com/office/drawing/2014/main" id="{512A3C73-3F1E-9DFA-C6AA-339BDB94AD8C}"/>
+              </a:ext>
+            </a:extLst>
+          </p:cNvPr>
+          <p:cNvPicPr>
+            <a:picLocks noChangeAspect="1" noChangeArrowheads="1"/>
+          </p:cNvPicPr>
+          <p:nvPr/>
+        </p:nvPicPr>
+        <p:blipFill rotWithShape="1">
+          <a:blip r:embed="rId2">
+            <a:extLst>
+              <a:ext uri="{28A0092B-C50C-407E-A947-70E740481C1C}">
+                <a14:useLocalDpi xmlns:a14="http://schemas.microsoft.com/office/drawing/2010/main" val="0"/>
+              </a:ext>
+            </a:extLst>
+          </a:blip>
+          <a:srcRect r="85115"/>
+          <a:stretch/>
+        </p:blipFill>
+        <p:spPr bwMode="auto">
+          <a:xfrm>
+            <a:off x="5113023" y="1729434"/>
+            <a:ext cx="1965959" cy="1558089"/>
+          </a:xfrm>
+          <a:prstGeom prst="rect">
+            <a:avLst/>
+          </a:prstGeom>
+          <a:noFill/>
+          <a:extLst>
+            <a:ext uri="{909E8E84-426E-40DD-AFC4-6F175D3DCCD1}">
+              <a14:hiddenFill xmlns:a14="http://schemas.microsoft.com/office/drawing/2010/main">
+                <a:solidFill>
+                  <a:srgbClr val="FFFFFF"/>
+                </a:solidFill>
+              </a14:hiddenFill>
+            </a:ext>
+          </a:extLst>
+        </p:spPr>
+      </p:pic>
+      <p:sp>
+        <p:nvSpPr>
+          <p:cNvPr id="4" name="TextBox 3">
+            <a:extLst>
+              <a:ext uri="{FF2B5EF4-FFF2-40B4-BE49-F238E27FC236}">
+                <a16:creationId xmlns:a16="http://schemas.microsoft.com/office/drawing/2014/main" id="{A803538B-1FB9-521B-5919-89A49B179058}"/>
+              </a:ext>
+            </a:extLst>
+          </p:cNvPr>
+          <p:cNvSpPr txBox="1"/>
+          <p:nvPr/>
+        </p:nvSpPr>
+        <p:spPr>
+          <a:xfrm>
+            <a:off x="3801140" y="3246545"/>
+            <a:ext cx="4589718" cy="769441"/>
+          </a:xfrm>
+          <a:prstGeom prst="rect">
+            <a:avLst/>
+          </a:prstGeom>
+          <a:noFill/>
+        </p:spPr>
+        <p:txBody>
+          <a:bodyPr wrap="none" rtlCol="0">
+            <a:spAutoFit/>
+          </a:bodyPr>
+          <a:lstStyle/>
+          <a:p>
+            <a:pPr algn="ctr"/>
+            <a:r>
+              <a:rPr lang="en-US" altLang="ko-KR" sz="4400" dirty="0">
+                <a:solidFill>
+                  <a:srgbClr val="F8CB50"/>
+                </a:solidFill>
+                <a:latin typeface="나눔고딕 ExtraBold" panose="020D0904000000000000" pitchFamily="50" charset="-127"/>
+                <a:ea typeface="나눔고딕 ExtraBold" panose="020D0904000000000000" pitchFamily="50" charset="-127"/>
+              </a:rPr>
+              <a:t>seong</a:t>
+            </a:r>
+            <a:r>
+              <a:rPr lang="en-US" altLang="ko-KR" sz="4400" dirty="0">
+                <a:solidFill>
+                  <a:srgbClr val="188BCB"/>
+                </a:solidFill>
+                <a:latin typeface="나눔고딕 ExtraBold" panose="020D0904000000000000" pitchFamily="50" charset="-127"/>
+                <a:ea typeface="나눔고딕 ExtraBold" panose="020D0904000000000000" pitchFamily="50" charset="-127"/>
+              </a:rPr>
+              <a:t>hwan</a:t>
+            </a:r>
+            <a:r>
+              <a:rPr lang="en-US" altLang="ko-KR" sz="4400" dirty="0">
+                <a:solidFill>
+                  <a:srgbClr val="B61D25"/>
+                </a:solidFill>
+                <a:latin typeface="나눔고딕 ExtraBold" panose="020D0904000000000000" pitchFamily="50" charset="-127"/>
+                <a:ea typeface="나눔고딕 ExtraBold" panose="020D0904000000000000" pitchFamily="50" charset="-127"/>
+              </a:rPr>
+              <a:t>7694</a:t>
+            </a:r>
+            <a:endParaRPr lang="ko-KR" altLang="en-US" sz="4400" dirty="0">
+              <a:solidFill>
+                <a:srgbClr val="B61D25"/>
+              </a:solidFill>
+              <a:latin typeface="나눔고딕 ExtraBold" panose="020D0904000000000000" pitchFamily="50" charset="-127"/>
+              <a:ea typeface="나눔고딕 ExtraBold" panose="020D0904000000000000" pitchFamily="50" charset="-127"/>
+            </a:endParaRPr>
+          </a:p>
+        </p:txBody>
+      </p:sp>
+      <p:pic>
+        <p:nvPicPr>
+          <p:cNvPr id="6" name="Picture 2">
+            <a:extLst>
+              <a:ext uri="{FF2B5EF4-FFF2-40B4-BE49-F238E27FC236}">
+                <a16:creationId xmlns:a16="http://schemas.microsoft.com/office/drawing/2014/main" id="{A09710D7-29F1-4631-7442-31D133536E41}"/>
+              </a:ext>
+            </a:extLst>
+          </p:cNvPr>
+          <p:cNvPicPr>
+            <a:picLocks noChangeAspect="1" noChangeArrowheads="1"/>
+          </p:cNvPicPr>
+          <p:nvPr/>
+        </p:nvPicPr>
+        <p:blipFill rotWithShape="1">
+          <a:blip r:embed="rId2">
+            <a:extLst>
+              <a:ext uri="{28A0092B-C50C-407E-A947-70E740481C1C}">
+                <a14:useLocalDpi xmlns:a14="http://schemas.microsoft.com/office/drawing/2010/main" val="0"/>
+              </a:ext>
+            </a:extLst>
+          </a:blip>
+          <a:srcRect l="19591" t="419" r="-3214" b="-419"/>
+          <a:stretch/>
+        </p:blipFill>
+        <p:spPr bwMode="auto">
+          <a:xfrm>
+            <a:off x="2584940" y="1992678"/>
+            <a:ext cx="7022119" cy="990623"/>
+          </a:xfrm>
+          <a:prstGeom prst="rect">
+            <a:avLst/>
+          </a:prstGeom>
+          <a:noFill/>
+          <a:extLst>
+            <a:ext uri="{909E8E84-426E-40DD-AFC4-6F175D3DCCD1}">
+              <a14:hiddenFill xmlns:a14="http://schemas.microsoft.com/office/drawing/2010/main">
+                <a:solidFill>
+                  <a:srgbClr val="FFFFFF"/>
+                </a:solidFill>
+              </a14:hiddenFill>
+            </a:ext>
+          </a:extLst>
+        </p:spPr>
+      </p:pic>
+      <p:sp>
+        <p:nvSpPr>
+          <p:cNvPr id="13" name="TextBox 12">
+            <a:extLst>
+              <a:ext uri="{FF2B5EF4-FFF2-40B4-BE49-F238E27FC236}">
+                <a16:creationId xmlns:a16="http://schemas.microsoft.com/office/drawing/2014/main" id="{B5886C92-B77B-ECA5-7A04-32ED9D3732F6}"/>
+              </a:ext>
+            </a:extLst>
+          </p:cNvPr>
+          <p:cNvSpPr txBox="1"/>
+          <p:nvPr/>
+        </p:nvSpPr>
+        <p:spPr>
+          <a:xfrm>
+            <a:off x="4139073" y="6212133"/>
+            <a:ext cx="3913851" cy="246221"/>
+          </a:xfrm>
+          <a:prstGeom prst="rect">
+            <a:avLst/>
+          </a:prstGeom>
+          <a:noFill/>
+        </p:spPr>
+        <p:txBody>
+          <a:bodyPr wrap="square" rtlCol="0">
+            <a:spAutoFit/>
+          </a:bodyPr>
+          <a:lstStyle/>
+          <a:p>
+            <a:pPr algn="ctr"/>
+            <a:r>
+              <a:rPr lang="en-US" altLang="ko-KR" sz="1000" dirty="0" err="1">
+                <a:latin typeface="나눔고딕 ExtraBold" panose="020D0904000000000000" pitchFamily="50" charset="-127"/>
+                <a:ea typeface="나눔고딕 ExtraBold" panose="020D0904000000000000" pitchFamily="50" charset="-127"/>
+              </a:rPr>
+              <a:t>Codeforces</a:t>
+            </a:r>
+            <a:r>
+              <a:rPr lang="en-US" altLang="ko-KR" sz="1000" dirty="0">
+                <a:latin typeface="나눔고딕 ExtraBold" panose="020D0904000000000000" pitchFamily="50" charset="-127"/>
+                <a:ea typeface="나눔고딕 ExtraBold" panose="020D0904000000000000" pitchFamily="50" charset="-127"/>
+              </a:rPr>
+              <a:t> Round #803 (Div. 2)</a:t>
+            </a:r>
+            <a:endParaRPr lang="ko-KR" altLang="en-US" sz="1000" dirty="0">
+              <a:latin typeface="나눔고딕 ExtraBold" panose="020D0904000000000000" pitchFamily="50" charset="-127"/>
+              <a:ea typeface="나눔고딕 ExtraBold" panose="020D0904000000000000" pitchFamily="50" charset="-127"/>
+            </a:endParaRPr>
+          </a:p>
+        </p:txBody>
+      </p:sp>
+      <p:sp>
+        <p:nvSpPr>
+          <p:cNvPr id="14" name="TextBox 13">
+            <a:extLst>
+              <a:ext uri="{FF2B5EF4-FFF2-40B4-BE49-F238E27FC236}">
+                <a16:creationId xmlns:a16="http://schemas.microsoft.com/office/drawing/2014/main" id="{FA2E5DFE-16F0-2A6E-1FF9-3B27FA9F736B}"/>
+              </a:ext>
+            </a:extLst>
+          </p:cNvPr>
+          <p:cNvSpPr txBox="1"/>
+          <p:nvPr/>
+        </p:nvSpPr>
+        <p:spPr>
+          <a:xfrm>
+            <a:off x="4830769" y="6405767"/>
+            <a:ext cx="2530457" cy="246221"/>
+          </a:xfrm>
+          <a:prstGeom prst="rect">
+            <a:avLst/>
+          </a:prstGeom>
+          <a:noFill/>
+        </p:spPr>
+        <p:txBody>
+          <a:bodyPr wrap="square" rtlCol="0">
+            <a:spAutoFit/>
+          </a:bodyPr>
+          <a:lstStyle/>
+          <a:p>
+            <a:pPr algn="ctr"/>
+            <a:r>
+              <a:rPr lang="en-US" altLang="ko-KR" sz="1000" dirty="0">
+                <a:latin typeface="나눔고딕 ExtraBold" panose="020D0904000000000000" pitchFamily="50" charset="-127"/>
+                <a:ea typeface="나눔고딕 ExtraBold" panose="020D0904000000000000" pitchFamily="50" charset="-127"/>
+              </a:rPr>
+              <a:t>Jun/28/2022 23:35</a:t>
+            </a:r>
+            <a:endParaRPr lang="ko-KR" altLang="en-US" sz="1000" dirty="0">
+              <a:latin typeface="나눔고딕 ExtraBold" panose="020D0904000000000000" pitchFamily="50" charset="-127"/>
+              <a:ea typeface="나눔고딕 ExtraBold" panose="020D0904000000000000" pitchFamily="50" charset="-127"/>
+            </a:endParaRPr>
+          </a:p>
+        </p:txBody>
+      </p:sp>
+      <p:sp>
+        <p:nvSpPr>
+          <p:cNvPr id="15" name="TextBox 14">
+            <a:extLst>
+              <a:ext uri="{FF2B5EF4-FFF2-40B4-BE49-F238E27FC236}">
+                <a16:creationId xmlns:a16="http://schemas.microsoft.com/office/drawing/2014/main" id="{CFF8F96D-14B7-98DE-155C-5B347CCBC064}"/>
+              </a:ext>
+            </a:extLst>
+          </p:cNvPr>
+          <p:cNvSpPr txBox="1"/>
+          <p:nvPr/>
+        </p:nvSpPr>
+        <p:spPr>
+          <a:xfrm>
+            <a:off x="5279913" y="4466728"/>
+            <a:ext cx="1632178" cy="707886"/>
+          </a:xfrm>
+          <a:prstGeom prst="rect">
+            <a:avLst/>
+          </a:prstGeom>
+          <a:noFill/>
+        </p:spPr>
+        <p:txBody>
+          <a:bodyPr wrap="none" rtlCol="0">
+            <a:spAutoFit/>
+          </a:bodyPr>
+          <a:lstStyle/>
+          <a:p>
+            <a:pPr algn="ctr"/>
+            <a:r>
+              <a:rPr lang="ko-KR" altLang="en-US" sz="4000">
+                <a:latin typeface="나눔고딕 ExtraBold" panose="020D0904000000000000" pitchFamily="50" charset="-127"/>
+                <a:ea typeface="나눔고딕 ExtraBold" panose="020D0904000000000000" pitchFamily="50" charset="-127"/>
+              </a:rPr>
+              <a:t>풀어요</a:t>
+            </a:r>
+            <a:endParaRPr lang="ko-KR" altLang="en-US" sz="4000" dirty="0">
+              <a:latin typeface="나눔고딕 ExtraBold" panose="020D0904000000000000" pitchFamily="50" charset="-127"/>
+              <a:ea typeface="나눔고딕 ExtraBold" panose="020D0904000000000000" pitchFamily="50" charset="-127"/>
+            </a:endParaRPr>
+          </a:p>
+        </p:txBody>
+      </p:sp>
+    </p:spTree>
+    <p:extLst>
+      <p:ext uri="{BB962C8B-B14F-4D97-AF65-F5344CB8AC3E}">
+        <p14:creationId xmlns:p14="http://schemas.microsoft.com/office/powerpoint/2010/main" val="443131377"/>
+      </p:ext>
+    </p:extLst>
+  </p:cSld>
+  <p:clrMapOvr>
+    <a:masterClrMapping/>
+  </p:clrMapOvr>
+</p:sld>
+</file>
+
 <file path=ppt/theme/theme1.xml><?xml version="1.0" encoding="utf-8"?>
 <a:theme xmlns:a="http://schemas.openxmlformats.org/drawingml/2006/main" name="Office 테마">
   <a:themeElements>

--- a/settings/thumbnail_template.pptx
+++ b/settings/thumbnail_template.pptx
@@ -9,6 +9,7 @@
     <p:sldId id="257" r:id="rId3"/>
     <p:sldId id="258" r:id="rId4"/>
     <p:sldId id="259" r:id="rId5"/>
+    <p:sldId id="260" r:id="rId6"/>
   </p:sldIdLst>
   <p:sldSz cx="12192000" cy="6858000"/>
   <p:notesSz cx="6858000" cy="9144000"/>
@@ -273,7 +274,7 @@
           <a:p>
             <a:fld id="{545B435B-0517-4A62-AE29-E71636ACE21E}" type="datetimeFigureOut">
               <a:rPr lang="ko-KR" altLang="en-US" smtClean="0"/>
-              <a:t>2022-06-28</a:t>
+              <a:t>2022-07-10</a:t>
             </a:fld>
             <a:endParaRPr lang="ko-KR" altLang="en-US"/>
           </a:p>
@@ -471,7 +472,7 @@
           <a:p>
             <a:fld id="{545B435B-0517-4A62-AE29-E71636ACE21E}" type="datetimeFigureOut">
               <a:rPr lang="ko-KR" altLang="en-US" smtClean="0"/>
-              <a:t>2022-06-28</a:t>
+              <a:t>2022-07-10</a:t>
             </a:fld>
             <a:endParaRPr lang="ko-KR" altLang="en-US"/>
           </a:p>
@@ -679,7 +680,7 @@
           <a:p>
             <a:fld id="{545B435B-0517-4A62-AE29-E71636ACE21E}" type="datetimeFigureOut">
               <a:rPr lang="ko-KR" altLang="en-US" smtClean="0"/>
-              <a:t>2022-06-28</a:t>
+              <a:t>2022-07-10</a:t>
             </a:fld>
             <a:endParaRPr lang="ko-KR" altLang="en-US"/>
           </a:p>
@@ -877,7 +878,7 @@
           <a:p>
             <a:fld id="{545B435B-0517-4A62-AE29-E71636ACE21E}" type="datetimeFigureOut">
               <a:rPr lang="ko-KR" altLang="en-US" smtClean="0"/>
-              <a:t>2022-06-28</a:t>
+              <a:t>2022-07-10</a:t>
             </a:fld>
             <a:endParaRPr lang="ko-KR" altLang="en-US"/>
           </a:p>
@@ -1152,7 +1153,7 @@
           <a:p>
             <a:fld id="{545B435B-0517-4A62-AE29-E71636ACE21E}" type="datetimeFigureOut">
               <a:rPr lang="ko-KR" altLang="en-US" smtClean="0"/>
-              <a:t>2022-06-28</a:t>
+              <a:t>2022-07-10</a:t>
             </a:fld>
             <a:endParaRPr lang="ko-KR" altLang="en-US"/>
           </a:p>
@@ -1417,7 +1418,7 @@
           <a:p>
             <a:fld id="{545B435B-0517-4A62-AE29-E71636ACE21E}" type="datetimeFigureOut">
               <a:rPr lang="ko-KR" altLang="en-US" smtClean="0"/>
-              <a:t>2022-06-28</a:t>
+              <a:t>2022-07-10</a:t>
             </a:fld>
             <a:endParaRPr lang="ko-KR" altLang="en-US"/>
           </a:p>
@@ -1829,7 +1830,7 @@
           <a:p>
             <a:fld id="{545B435B-0517-4A62-AE29-E71636ACE21E}" type="datetimeFigureOut">
               <a:rPr lang="ko-KR" altLang="en-US" smtClean="0"/>
-              <a:t>2022-06-28</a:t>
+              <a:t>2022-07-10</a:t>
             </a:fld>
             <a:endParaRPr lang="ko-KR" altLang="en-US"/>
           </a:p>
@@ -1970,7 +1971,7 @@
           <a:p>
             <a:fld id="{545B435B-0517-4A62-AE29-E71636ACE21E}" type="datetimeFigureOut">
               <a:rPr lang="ko-KR" altLang="en-US" smtClean="0"/>
-              <a:t>2022-06-28</a:t>
+              <a:t>2022-07-10</a:t>
             </a:fld>
             <a:endParaRPr lang="ko-KR" altLang="en-US"/>
           </a:p>
@@ -2083,7 +2084,7 @@
           <a:p>
             <a:fld id="{545B435B-0517-4A62-AE29-E71636ACE21E}" type="datetimeFigureOut">
               <a:rPr lang="ko-KR" altLang="en-US" smtClean="0"/>
-              <a:t>2022-06-28</a:t>
+              <a:t>2022-07-10</a:t>
             </a:fld>
             <a:endParaRPr lang="ko-KR" altLang="en-US"/>
           </a:p>
@@ -2394,7 +2395,7 @@
           <a:p>
             <a:fld id="{545B435B-0517-4A62-AE29-E71636ACE21E}" type="datetimeFigureOut">
               <a:rPr lang="ko-KR" altLang="en-US" smtClean="0"/>
-              <a:t>2022-06-28</a:t>
+              <a:t>2022-07-10</a:t>
             </a:fld>
             <a:endParaRPr lang="ko-KR" altLang="en-US"/>
           </a:p>
@@ -2682,7 +2683,7 @@
           <a:p>
             <a:fld id="{545B435B-0517-4A62-AE29-E71636ACE21E}" type="datetimeFigureOut">
               <a:rPr lang="ko-KR" altLang="en-US" smtClean="0"/>
-              <a:t>2022-06-28</a:t>
+              <a:t>2022-07-10</a:t>
             </a:fld>
             <a:endParaRPr lang="ko-KR" altLang="en-US"/>
           </a:p>
@@ -2923,7 +2924,7 @@
           <a:p>
             <a:fld id="{545B435B-0517-4A62-AE29-E71636ACE21E}" type="datetimeFigureOut">
               <a:rPr lang="ko-KR" altLang="en-US" smtClean="0"/>
-              <a:t>2022-06-28</a:t>
+              <a:t>2022-07-10</a:t>
             </a:fld>
             <a:endParaRPr lang="ko-KR" altLang="en-US"/>
           </a:p>
@@ -4638,6 +4639,338 @@
 </p:sld>
 </file>
 
+<file path=ppt/slides/slide5.xml><?xml version="1.0" encoding="utf-8"?>
+<p:sld xmlns:a="http://schemas.openxmlformats.org/drawingml/2006/main" xmlns:r="http://schemas.openxmlformats.org/officeDocument/2006/relationships" xmlns:p="http://schemas.openxmlformats.org/presentationml/2006/main">
+  <p:cSld>
+    <p:spTree>
+      <p:nvGrpSpPr>
+        <p:cNvPr id="1" name=""/>
+        <p:cNvGrpSpPr/>
+        <p:nvPr/>
+      </p:nvGrpSpPr>
+      <p:grpSpPr>
+        <a:xfrm>
+          <a:off x="0" y="0"/>
+          <a:ext cx="0" cy="0"/>
+          <a:chOff x="0" y="0"/>
+          <a:chExt cx="0" cy="0"/>
+        </a:xfrm>
+      </p:grpSpPr>
+      <p:pic>
+        <p:nvPicPr>
+          <p:cNvPr id="1026" name="Picture 2">
+            <a:extLst>
+              <a:ext uri="{FF2B5EF4-FFF2-40B4-BE49-F238E27FC236}">
+                <a16:creationId xmlns:a16="http://schemas.microsoft.com/office/drawing/2014/main" id="{512A3C73-3F1E-9DFA-C6AA-339BDB94AD8C}"/>
+              </a:ext>
+            </a:extLst>
+          </p:cNvPr>
+          <p:cNvPicPr>
+            <a:picLocks noChangeAspect="1" noChangeArrowheads="1"/>
+          </p:cNvPicPr>
+          <p:nvPr/>
+        </p:nvPicPr>
+        <p:blipFill rotWithShape="1">
+          <a:blip r:embed="rId2">
+            <a:extLst>
+              <a:ext uri="{28A0092B-C50C-407E-A947-70E740481C1C}">
+                <a14:useLocalDpi xmlns:a14="http://schemas.microsoft.com/office/drawing/2010/main" val="0"/>
+              </a:ext>
+            </a:extLst>
+          </a:blip>
+          <a:srcRect r="85115"/>
+          <a:stretch/>
+        </p:blipFill>
+        <p:spPr bwMode="auto">
+          <a:xfrm>
+            <a:off x="5113023" y="1729434"/>
+            <a:ext cx="1965959" cy="1558089"/>
+          </a:xfrm>
+          <a:prstGeom prst="rect">
+            <a:avLst/>
+          </a:prstGeom>
+          <a:noFill/>
+          <a:extLst>
+            <a:ext uri="{909E8E84-426E-40DD-AFC4-6F175D3DCCD1}">
+              <a14:hiddenFill xmlns:a14="http://schemas.microsoft.com/office/drawing/2010/main">
+                <a:solidFill>
+                  <a:srgbClr val="FFFFFF"/>
+                </a:solidFill>
+              </a14:hiddenFill>
+            </a:ext>
+          </a:extLst>
+        </p:spPr>
+      </p:pic>
+      <p:sp>
+        <p:nvSpPr>
+          <p:cNvPr id="4" name="TextBox 3">
+            <a:extLst>
+              <a:ext uri="{FF2B5EF4-FFF2-40B4-BE49-F238E27FC236}">
+                <a16:creationId xmlns:a16="http://schemas.microsoft.com/office/drawing/2014/main" id="{A803538B-1FB9-521B-5919-89A49B179058}"/>
+              </a:ext>
+            </a:extLst>
+          </p:cNvPr>
+          <p:cNvSpPr txBox="1"/>
+          <p:nvPr/>
+        </p:nvSpPr>
+        <p:spPr>
+          <a:xfrm>
+            <a:off x="3801140" y="3246545"/>
+            <a:ext cx="4589718" cy="769441"/>
+          </a:xfrm>
+          <a:prstGeom prst="rect">
+            <a:avLst/>
+          </a:prstGeom>
+          <a:noFill/>
+        </p:spPr>
+        <p:txBody>
+          <a:bodyPr wrap="none" rtlCol="0">
+            <a:spAutoFit/>
+          </a:bodyPr>
+          <a:lstStyle/>
+          <a:p>
+            <a:pPr algn="ctr"/>
+            <a:r>
+              <a:rPr lang="en-US" altLang="ko-KR" sz="4400" dirty="0">
+                <a:solidFill>
+                  <a:srgbClr val="F8CB50"/>
+                </a:solidFill>
+                <a:latin typeface="나눔고딕 ExtraBold" panose="020D0904000000000000" pitchFamily="50" charset="-127"/>
+                <a:ea typeface="나눔고딕 ExtraBold" panose="020D0904000000000000" pitchFamily="50" charset="-127"/>
+              </a:rPr>
+              <a:t>seong</a:t>
+            </a:r>
+            <a:r>
+              <a:rPr lang="en-US" altLang="ko-KR" sz="4400" dirty="0">
+                <a:solidFill>
+                  <a:srgbClr val="188BCB"/>
+                </a:solidFill>
+                <a:latin typeface="나눔고딕 ExtraBold" panose="020D0904000000000000" pitchFamily="50" charset="-127"/>
+                <a:ea typeface="나눔고딕 ExtraBold" panose="020D0904000000000000" pitchFamily="50" charset="-127"/>
+              </a:rPr>
+              <a:t>hwan</a:t>
+            </a:r>
+            <a:r>
+              <a:rPr lang="en-US" altLang="ko-KR" sz="4400" dirty="0">
+                <a:solidFill>
+                  <a:srgbClr val="B61D25"/>
+                </a:solidFill>
+                <a:latin typeface="나눔고딕 ExtraBold" panose="020D0904000000000000" pitchFamily="50" charset="-127"/>
+                <a:ea typeface="나눔고딕 ExtraBold" panose="020D0904000000000000" pitchFamily="50" charset="-127"/>
+              </a:rPr>
+              <a:t>7694</a:t>
+            </a:r>
+            <a:endParaRPr lang="ko-KR" altLang="en-US" sz="4400" dirty="0">
+              <a:solidFill>
+                <a:srgbClr val="B61D25"/>
+              </a:solidFill>
+              <a:latin typeface="나눔고딕 ExtraBold" panose="020D0904000000000000" pitchFamily="50" charset="-127"/>
+              <a:ea typeface="나눔고딕 ExtraBold" panose="020D0904000000000000" pitchFamily="50" charset="-127"/>
+            </a:endParaRPr>
+          </a:p>
+        </p:txBody>
+      </p:sp>
+      <p:pic>
+        <p:nvPicPr>
+          <p:cNvPr id="6" name="Picture 2">
+            <a:extLst>
+              <a:ext uri="{FF2B5EF4-FFF2-40B4-BE49-F238E27FC236}">
+                <a16:creationId xmlns:a16="http://schemas.microsoft.com/office/drawing/2014/main" id="{A09710D7-29F1-4631-7442-31D133536E41}"/>
+              </a:ext>
+            </a:extLst>
+          </p:cNvPr>
+          <p:cNvPicPr>
+            <a:picLocks noChangeAspect="1" noChangeArrowheads="1"/>
+          </p:cNvPicPr>
+          <p:nvPr/>
+        </p:nvPicPr>
+        <p:blipFill rotWithShape="1">
+          <a:blip r:embed="rId2">
+            <a:extLst>
+              <a:ext uri="{28A0092B-C50C-407E-A947-70E740481C1C}">
+                <a14:useLocalDpi xmlns:a14="http://schemas.microsoft.com/office/drawing/2010/main" val="0"/>
+              </a:ext>
+            </a:extLst>
+          </a:blip>
+          <a:srcRect l="19591" t="419" r="-3214" b="-419"/>
+          <a:stretch/>
+        </p:blipFill>
+        <p:spPr bwMode="auto">
+          <a:xfrm>
+            <a:off x="2584940" y="1992678"/>
+            <a:ext cx="7022119" cy="990623"/>
+          </a:xfrm>
+          <a:prstGeom prst="rect">
+            <a:avLst/>
+          </a:prstGeom>
+          <a:noFill/>
+          <a:extLst>
+            <a:ext uri="{909E8E84-426E-40DD-AFC4-6F175D3DCCD1}">
+              <a14:hiddenFill xmlns:a14="http://schemas.microsoft.com/office/drawing/2010/main">
+                <a:solidFill>
+                  <a:srgbClr val="FFFFFF"/>
+                </a:solidFill>
+              </a14:hiddenFill>
+            </a:ext>
+          </a:extLst>
+        </p:spPr>
+      </p:pic>
+      <p:sp>
+        <p:nvSpPr>
+          <p:cNvPr id="13" name="TextBox 12">
+            <a:extLst>
+              <a:ext uri="{FF2B5EF4-FFF2-40B4-BE49-F238E27FC236}">
+                <a16:creationId xmlns:a16="http://schemas.microsoft.com/office/drawing/2014/main" id="{B5886C92-B77B-ECA5-7A04-32ED9D3732F6}"/>
+              </a:ext>
+            </a:extLst>
+          </p:cNvPr>
+          <p:cNvSpPr txBox="1"/>
+          <p:nvPr/>
+        </p:nvSpPr>
+        <p:spPr>
+          <a:xfrm>
+            <a:off x="4139073" y="6212133"/>
+            <a:ext cx="3913851" cy="246221"/>
+          </a:xfrm>
+          <a:prstGeom prst="rect">
+            <a:avLst/>
+          </a:prstGeom>
+          <a:noFill/>
+        </p:spPr>
+        <p:txBody>
+          <a:bodyPr wrap="square" rtlCol="0">
+            <a:spAutoFit/>
+          </a:bodyPr>
+          <a:lstStyle/>
+          <a:p>
+            <a:pPr algn="ctr"/>
+            <a:r>
+              <a:rPr lang="en-US" altLang="ko-KR" sz="1000" dirty="0" err="1">
+                <a:latin typeface="나눔고딕 ExtraBold" panose="020D0904000000000000" pitchFamily="50" charset="-127"/>
+                <a:ea typeface="나눔고딕 ExtraBold" panose="020D0904000000000000" pitchFamily="50" charset="-127"/>
+              </a:rPr>
+              <a:t>Codeforces</a:t>
+            </a:r>
+            <a:r>
+              <a:rPr lang="en-US" altLang="ko-KR" sz="1000" dirty="0">
+                <a:latin typeface="나눔고딕 ExtraBold" panose="020D0904000000000000" pitchFamily="50" charset="-127"/>
+                <a:ea typeface="나눔고딕 ExtraBold" panose="020D0904000000000000" pitchFamily="50" charset="-127"/>
+              </a:rPr>
+              <a:t> Round #805 (Div. 3)</a:t>
+            </a:r>
+            <a:endParaRPr lang="ko-KR" altLang="en-US" sz="1000" dirty="0">
+              <a:latin typeface="나눔고딕 ExtraBold" panose="020D0904000000000000" pitchFamily="50" charset="-127"/>
+              <a:ea typeface="나눔고딕 ExtraBold" panose="020D0904000000000000" pitchFamily="50" charset="-127"/>
+            </a:endParaRPr>
+          </a:p>
+        </p:txBody>
+      </p:sp>
+      <p:sp>
+        <p:nvSpPr>
+          <p:cNvPr id="14" name="TextBox 13">
+            <a:extLst>
+              <a:ext uri="{FF2B5EF4-FFF2-40B4-BE49-F238E27FC236}">
+                <a16:creationId xmlns:a16="http://schemas.microsoft.com/office/drawing/2014/main" id="{FA2E5DFE-16F0-2A6E-1FF9-3B27FA9F736B}"/>
+              </a:ext>
+            </a:extLst>
+          </p:cNvPr>
+          <p:cNvSpPr txBox="1"/>
+          <p:nvPr/>
+        </p:nvSpPr>
+        <p:spPr>
+          <a:xfrm>
+            <a:off x="4830769" y="6405767"/>
+            <a:ext cx="2530457" cy="246221"/>
+          </a:xfrm>
+          <a:prstGeom prst="rect">
+            <a:avLst/>
+          </a:prstGeom>
+          <a:noFill/>
+        </p:spPr>
+        <p:txBody>
+          <a:bodyPr wrap="square" rtlCol="0">
+            <a:spAutoFit/>
+          </a:bodyPr>
+          <a:lstStyle/>
+          <a:p>
+            <a:pPr algn="ctr"/>
+            <a:r>
+              <a:rPr lang="en-US" altLang="ko-KR" sz="1000">
+                <a:latin typeface="나눔고딕 ExtraBold" panose="020D0904000000000000" pitchFamily="50" charset="-127"/>
+                <a:ea typeface="나눔고딕 ExtraBold" panose="020D0904000000000000" pitchFamily="50" charset="-127"/>
+              </a:rPr>
+              <a:t>Jul/10/2022 </a:t>
+            </a:r>
+            <a:r>
+              <a:rPr lang="en-US" altLang="ko-KR" sz="1000" dirty="0">
+                <a:latin typeface="나눔고딕 ExtraBold" panose="020D0904000000000000" pitchFamily="50" charset="-127"/>
+                <a:ea typeface="나눔고딕 ExtraBold" panose="020D0904000000000000" pitchFamily="50" charset="-127"/>
+              </a:rPr>
+              <a:t>23:35</a:t>
+            </a:r>
+            <a:endParaRPr lang="ko-KR" altLang="en-US" sz="1000" dirty="0">
+              <a:latin typeface="나눔고딕 ExtraBold" panose="020D0904000000000000" pitchFamily="50" charset="-127"/>
+              <a:ea typeface="나눔고딕 ExtraBold" panose="020D0904000000000000" pitchFamily="50" charset="-127"/>
+            </a:endParaRPr>
+          </a:p>
+        </p:txBody>
+      </p:sp>
+      <p:sp>
+        <p:nvSpPr>
+          <p:cNvPr id="15" name="TextBox 14">
+            <a:extLst>
+              <a:ext uri="{FF2B5EF4-FFF2-40B4-BE49-F238E27FC236}">
+                <a16:creationId xmlns:a16="http://schemas.microsoft.com/office/drawing/2014/main" id="{CFF8F96D-14B7-98DE-155C-5B347CCBC064}"/>
+              </a:ext>
+            </a:extLst>
+          </p:cNvPr>
+          <p:cNvSpPr txBox="1"/>
+          <p:nvPr/>
+        </p:nvSpPr>
+        <p:spPr>
+          <a:xfrm>
+            <a:off x="5279913" y="4466728"/>
+            <a:ext cx="1632178" cy="707886"/>
+          </a:xfrm>
+          <a:prstGeom prst="rect">
+            <a:avLst/>
+          </a:prstGeom>
+          <a:noFill/>
+        </p:spPr>
+        <p:txBody>
+          <a:bodyPr wrap="none" rtlCol="0">
+            <a:spAutoFit/>
+          </a:bodyPr>
+          <a:lstStyle/>
+          <a:p>
+            <a:pPr algn="ctr"/>
+            <a:r>
+              <a:rPr lang="ko-KR" altLang="en-US" sz="4000">
+                <a:latin typeface="나눔고딕 ExtraBold" panose="020D0904000000000000" pitchFamily="50" charset="-127"/>
+                <a:ea typeface="나눔고딕 ExtraBold" panose="020D0904000000000000" pitchFamily="50" charset="-127"/>
+              </a:rPr>
+              <a:t>풀어요</a:t>
+            </a:r>
+            <a:endParaRPr lang="ko-KR" altLang="en-US" sz="4000" dirty="0">
+              <a:latin typeface="나눔고딕 ExtraBold" panose="020D0904000000000000" pitchFamily="50" charset="-127"/>
+              <a:ea typeface="나눔고딕 ExtraBold" panose="020D0904000000000000" pitchFamily="50" charset="-127"/>
+            </a:endParaRPr>
+          </a:p>
+        </p:txBody>
+      </p:sp>
+    </p:spTree>
+    <p:extLst>
+      <p:ext uri="{BB962C8B-B14F-4D97-AF65-F5344CB8AC3E}">
+        <p14:creationId xmlns:p14="http://schemas.microsoft.com/office/powerpoint/2010/main" val="2313499501"/>
+      </p:ext>
+    </p:extLst>
+  </p:cSld>
+  <p:clrMapOvr>
+    <a:masterClrMapping/>
+  </p:clrMapOvr>
+</p:sld>
+</file>
+
 <file path=ppt/theme/theme1.xml><?xml version="1.0" encoding="utf-8"?>
 <a:theme xmlns:a="http://schemas.openxmlformats.org/drawingml/2006/main" name="Office 테마">
   <a:themeElements>

--- a/settings/thumbnail_template.pptx
+++ b/settings/thumbnail_template.pptx
@@ -274,7 +274,7 @@
           <a:p>
             <a:fld id="{545B435B-0517-4A62-AE29-E71636ACE21E}" type="datetimeFigureOut">
               <a:rPr lang="ko-KR" altLang="en-US" smtClean="0"/>
-              <a:t>2022-07-10</a:t>
+              <a:t>2022-07-21</a:t>
             </a:fld>
             <a:endParaRPr lang="ko-KR" altLang="en-US"/>
           </a:p>
@@ -472,7 +472,7 @@
           <a:p>
             <a:fld id="{545B435B-0517-4A62-AE29-E71636ACE21E}" type="datetimeFigureOut">
               <a:rPr lang="ko-KR" altLang="en-US" smtClean="0"/>
-              <a:t>2022-07-10</a:t>
+              <a:t>2022-07-21</a:t>
             </a:fld>
             <a:endParaRPr lang="ko-KR" altLang="en-US"/>
           </a:p>
@@ -680,7 +680,7 @@
           <a:p>
             <a:fld id="{545B435B-0517-4A62-AE29-E71636ACE21E}" type="datetimeFigureOut">
               <a:rPr lang="ko-KR" altLang="en-US" smtClean="0"/>
-              <a:t>2022-07-10</a:t>
+              <a:t>2022-07-21</a:t>
             </a:fld>
             <a:endParaRPr lang="ko-KR" altLang="en-US"/>
           </a:p>
@@ -878,7 +878,7 @@
           <a:p>
             <a:fld id="{545B435B-0517-4A62-AE29-E71636ACE21E}" type="datetimeFigureOut">
               <a:rPr lang="ko-KR" altLang="en-US" smtClean="0"/>
-              <a:t>2022-07-10</a:t>
+              <a:t>2022-07-21</a:t>
             </a:fld>
             <a:endParaRPr lang="ko-KR" altLang="en-US"/>
           </a:p>
@@ -1153,7 +1153,7 @@
           <a:p>
             <a:fld id="{545B435B-0517-4A62-AE29-E71636ACE21E}" type="datetimeFigureOut">
               <a:rPr lang="ko-KR" altLang="en-US" smtClean="0"/>
-              <a:t>2022-07-10</a:t>
+              <a:t>2022-07-21</a:t>
             </a:fld>
             <a:endParaRPr lang="ko-KR" altLang="en-US"/>
           </a:p>
@@ -1418,7 +1418,7 @@
           <a:p>
             <a:fld id="{545B435B-0517-4A62-AE29-E71636ACE21E}" type="datetimeFigureOut">
               <a:rPr lang="ko-KR" altLang="en-US" smtClean="0"/>
-              <a:t>2022-07-10</a:t>
+              <a:t>2022-07-21</a:t>
             </a:fld>
             <a:endParaRPr lang="ko-KR" altLang="en-US"/>
           </a:p>
@@ -1830,7 +1830,7 @@
           <a:p>
             <a:fld id="{545B435B-0517-4A62-AE29-E71636ACE21E}" type="datetimeFigureOut">
               <a:rPr lang="ko-KR" altLang="en-US" smtClean="0"/>
-              <a:t>2022-07-10</a:t>
+              <a:t>2022-07-21</a:t>
             </a:fld>
             <a:endParaRPr lang="ko-KR" altLang="en-US"/>
           </a:p>
@@ -1971,7 +1971,7 @@
           <a:p>
             <a:fld id="{545B435B-0517-4A62-AE29-E71636ACE21E}" type="datetimeFigureOut">
               <a:rPr lang="ko-KR" altLang="en-US" smtClean="0"/>
-              <a:t>2022-07-10</a:t>
+              <a:t>2022-07-21</a:t>
             </a:fld>
             <a:endParaRPr lang="ko-KR" altLang="en-US"/>
           </a:p>
@@ -2084,7 +2084,7 @@
           <a:p>
             <a:fld id="{545B435B-0517-4A62-AE29-E71636ACE21E}" type="datetimeFigureOut">
               <a:rPr lang="ko-KR" altLang="en-US" smtClean="0"/>
-              <a:t>2022-07-10</a:t>
+              <a:t>2022-07-21</a:t>
             </a:fld>
             <a:endParaRPr lang="ko-KR" altLang="en-US"/>
           </a:p>
@@ -2395,7 +2395,7 @@
           <a:p>
             <a:fld id="{545B435B-0517-4A62-AE29-E71636ACE21E}" type="datetimeFigureOut">
               <a:rPr lang="ko-KR" altLang="en-US" smtClean="0"/>
-              <a:t>2022-07-10</a:t>
+              <a:t>2022-07-21</a:t>
             </a:fld>
             <a:endParaRPr lang="ko-KR" altLang="en-US"/>
           </a:p>
@@ -2683,7 +2683,7 @@
           <a:p>
             <a:fld id="{545B435B-0517-4A62-AE29-E71636ACE21E}" type="datetimeFigureOut">
               <a:rPr lang="ko-KR" altLang="en-US" smtClean="0"/>
-              <a:t>2022-07-10</a:t>
+              <a:t>2022-07-21</a:t>
             </a:fld>
             <a:endParaRPr lang="ko-KR" altLang="en-US"/>
           </a:p>
@@ -2924,7 +2924,7 @@
           <a:p>
             <a:fld id="{545B435B-0517-4A62-AE29-E71636ACE21E}" type="datetimeFigureOut">
               <a:rPr lang="ko-KR" altLang="en-US" smtClean="0"/>
-              <a:t>2022-07-10</a:t>
+              <a:t>2022-07-21</a:t>
             </a:fld>
             <a:endParaRPr lang="ko-KR" altLang="en-US"/>
           </a:p>
@@ -3538,6 +3538,13 @@
           <a:p>
             <a:pPr algn="ctr"/>
             <a:r>
+              <a:rPr lang="en-US" altLang="ko-KR" sz="1000" dirty="0">
+                <a:latin typeface="나눔고딕 ExtraBold" panose="020D0904000000000000" pitchFamily="50" charset="-127"/>
+                <a:ea typeface="나눔고딕 ExtraBold" panose="020D0904000000000000" pitchFamily="50" charset="-127"/>
+              </a:rPr>
+              <a:t>Educational </a:t>
+            </a:r>
+            <a:r>
               <a:rPr lang="en-US" altLang="ko-KR" sz="1000" dirty="0" err="1">
                 <a:latin typeface="나눔고딕 ExtraBold" panose="020D0904000000000000" pitchFamily="50" charset="-127"/>
                 <a:ea typeface="나눔고딕 ExtraBold" panose="020D0904000000000000" pitchFamily="50" charset="-127"/>
@@ -3545,18 +3552,11 @@
               <a:t>Codeforces</a:t>
             </a:r>
             <a:r>
-              <a:rPr lang="ko-KR" altLang="en-US" sz="1000" dirty="0">
-                <a:latin typeface="나눔고딕 ExtraBold" panose="020D0904000000000000" pitchFamily="50" charset="-127"/>
-                <a:ea typeface="나눔고딕 ExtraBold" panose="020D0904000000000000" pitchFamily="50" charset="-127"/>
-              </a:rPr>
-              <a:t> </a:t>
-            </a:r>
-            <a:r>
               <a:rPr lang="en-US" altLang="ko-KR" sz="1000" dirty="0">
                 <a:latin typeface="나눔고딕 ExtraBold" panose="020D0904000000000000" pitchFamily="50" charset="-127"/>
                 <a:ea typeface="나눔고딕 ExtraBold" panose="020D0904000000000000" pitchFamily="50" charset="-127"/>
               </a:rPr>
-              <a:t>Round #800 (Div. 2)</a:t>
+              <a:t> Round 132 (Rated for Div. 2)</a:t>
             </a:r>
             <a:endParaRPr lang="ko-KR" altLang="en-US" sz="1000" dirty="0">
               <a:latin typeface="나눔고딕 ExtraBold" panose="020D0904000000000000" pitchFamily="50" charset="-127"/>
@@ -3599,7 +3599,7 @@
                 <a:latin typeface="나눔고딕 ExtraBold" panose="020D0904000000000000" pitchFamily="50" charset="-127"/>
                 <a:ea typeface="나눔고딕 ExtraBold" panose="020D0904000000000000" pitchFamily="50" charset="-127"/>
               </a:rPr>
-              <a:t>Jun/16/2022/23:35</a:t>
+              <a:t>Jul/21/2022 23:35</a:t>
             </a:r>
             <a:endParaRPr lang="ko-KR" altLang="en-US" sz="1000" dirty="0">
               <a:latin typeface="나눔고딕 ExtraBold" panose="020D0904000000000000" pitchFamily="50" charset="-127"/>

--- a/settings/thumbnail_template.pptx
+++ b/settings/thumbnail_template.pptx
@@ -10,6 +10,7 @@
     <p:sldId id="258" r:id="rId4"/>
     <p:sldId id="259" r:id="rId5"/>
     <p:sldId id="260" r:id="rId6"/>
+    <p:sldId id="261" r:id="rId7"/>
   </p:sldIdLst>
   <p:sldSz cx="12192000" cy="6858000"/>
   <p:notesSz cx="6858000" cy="9144000"/>
@@ -274,7 +275,7 @@
           <a:p>
             <a:fld id="{545B435B-0517-4A62-AE29-E71636ACE21E}" type="datetimeFigureOut">
               <a:rPr lang="ko-KR" altLang="en-US" smtClean="0"/>
-              <a:t>2022-07-21</a:t>
+              <a:t>2022-07-24</a:t>
             </a:fld>
             <a:endParaRPr lang="ko-KR" altLang="en-US"/>
           </a:p>
@@ -472,7 +473,7 @@
           <a:p>
             <a:fld id="{545B435B-0517-4A62-AE29-E71636ACE21E}" type="datetimeFigureOut">
               <a:rPr lang="ko-KR" altLang="en-US" smtClean="0"/>
-              <a:t>2022-07-21</a:t>
+              <a:t>2022-07-24</a:t>
             </a:fld>
             <a:endParaRPr lang="ko-KR" altLang="en-US"/>
           </a:p>
@@ -680,7 +681,7 @@
           <a:p>
             <a:fld id="{545B435B-0517-4A62-AE29-E71636ACE21E}" type="datetimeFigureOut">
               <a:rPr lang="ko-KR" altLang="en-US" smtClean="0"/>
-              <a:t>2022-07-21</a:t>
+              <a:t>2022-07-24</a:t>
             </a:fld>
             <a:endParaRPr lang="ko-KR" altLang="en-US"/>
           </a:p>
@@ -878,7 +879,7 @@
           <a:p>
             <a:fld id="{545B435B-0517-4A62-AE29-E71636ACE21E}" type="datetimeFigureOut">
               <a:rPr lang="ko-KR" altLang="en-US" smtClean="0"/>
-              <a:t>2022-07-21</a:t>
+              <a:t>2022-07-24</a:t>
             </a:fld>
             <a:endParaRPr lang="ko-KR" altLang="en-US"/>
           </a:p>
@@ -1153,7 +1154,7 @@
           <a:p>
             <a:fld id="{545B435B-0517-4A62-AE29-E71636ACE21E}" type="datetimeFigureOut">
               <a:rPr lang="ko-KR" altLang="en-US" smtClean="0"/>
-              <a:t>2022-07-21</a:t>
+              <a:t>2022-07-24</a:t>
             </a:fld>
             <a:endParaRPr lang="ko-KR" altLang="en-US"/>
           </a:p>
@@ -1418,7 +1419,7 @@
           <a:p>
             <a:fld id="{545B435B-0517-4A62-AE29-E71636ACE21E}" type="datetimeFigureOut">
               <a:rPr lang="ko-KR" altLang="en-US" smtClean="0"/>
-              <a:t>2022-07-21</a:t>
+              <a:t>2022-07-24</a:t>
             </a:fld>
             <a:endParaRPr lang="ko-KR" altLang="en-US"/>
           </a:p>
@@ -1830,7 +1831,7 @@
           <a:p>
             <a:fld id="{545B435B-0517-4A62-AE29-E71636ACE21E}" type="datetimeFigureOut">
               <a:rPr lang="ko-KR" altLang="en-US" smtClean="0"/>
-              <a:t>2022-07-21</a:t>
+              <a:t>2022-07-24</a:t>
             </a:fld>
             <a:endParaRPr lang="ko-KR" altLang="en-US"/>
           </a:p>
@@ -1971,7 +1972,7 @@
           <a:p>
             <a:fld id="{545B435B-0517-4A62-AE29-E71636ACE21E}" type="datetimeFigureOut">
               <a:rPr lang="ko-KR" altLang="en-US" smtClean="0"/>
-              <a:t>2022-07-21</a:t>
+              <a:t>2022-07-24</a:t>
             </a:fld>
             <a:endParaRPr lang="ko-KR" altLang="en-US"/>
           </a:p>
@@ -2084,7 +2085,7 @@
           <a:p>
             <a:fld id="{545B435B-0517-4A62-AE29-E71636ACE21E}" type="datetimeFigureOut">
               <a:rPr lang="ko-KR" altLang="en-US" smtClean="0"/>
-              <a:t>2022-07-21</a:t>
+              <a:t>2022-07-24</a:t>
             </a:fld>
             <a:endParaRPr lang="ko-KR" altLang="en-US"/>
           </a:p>
@@ -2395,7 +2396,7 @@
           <a:p>
             <a:fld id="{545B435B-0517-4A62-AE29-E71636ACE21E}" type="datetimeFigureOut">
               <a:rPr lang="ko-KR" altLang="en-US" smtClean="0"/>
-              <a:t>2022-07-21</a:t>
+              <a:t>2022-07-24</a:t>
             </a:fld>
             <a:endParaRPr lang="ko-KR" altLang="en-US"/>
           </a:p>
@@ -2683,7 +2684,7 @@
           <a:p>
             <a:fld id="{545B435B-0517-4A62-AE29-E71636ACE21E}" type="datetimeFigureOut">
               <a:rPr lang="ko-KR" altLang="en-US" smtClean="0"/>
-              <a:t>2022-07-21</a:t>
+              <a:t>2022-07-24</a:t>
             </a:fld>
             <a:endParaRPr lang="ko-KR" altLang="en-US"/>
           </a:p>
@@ -2924,7 +2925,7 @@
           <a:p>
             <a:fld id="{545B435B-0517-4A62-AE29-E71636ACE21E}" type="datetimeFigureOut">
               <a:rPr lang="ko-KR" altLang="en-US" smtClean="0"/>
-              <a:t>2022-07-21</a:t>
+              <a:t>2022-07-24</a:t>
             </a:fld>
             <a:endParaRPr lang="ko-KR" altLang="en-US"/>
           </a:p>
@@ -4971,6 +4972,331 @@
 </p:sld>
 </file>
 
+<file path=ppt/slides/slide6.xml><?xml version="1.0" encoding="utf-8"?>
+<p:sld xmlns:a="http://schemas.openxmlformats.org/drawingml/2006/main" xmlns:r="http://schemas.openxmlformats.org/officeDocument/2006/relationships" xmlns:p="http://schemas.openxmlformats.org/presentationml/2006/main">
+  <p:cSld>
+    <p:spTree>
+      <p:nvGrpSpPr>
+        <p:cNvPr id="1" name=""/>
+        <p:cNvGrpSpPr/>
+        <p:nvPr/>
+      </p:nvGrpSpPr>
+      <p:grpSpPr>
+        <a:xfrm>
+          <a:off x="0" y="0"/>
+          <a:ext cx="0" cy="0"/>
+          <a:chOff x="0" y="0"/>
+          <a:chExt cx="0" cy="0"/>
+        </a:xfrm>
+      </p:grpSpPr>
+      <p:pic>
+        <p:nvPicPr>
+          <p:cNvPr id="1026" name="Picture 2">
+            <a:extLst>
+              <a:ext uri="{FF2B5EF4-FFF2-40B4-BE49-F238E27FC236}">
+                <a16:creationId xmlns:a16="http://schemas.microsoft.com/office/drawing/2014/main" id="{512A3C73-3F1E-9DFA-C6AA-339BDB94AD8C}"/>
+              </a:ext>
+            </a:extLst>
+          </p:cNvPr>
+          <p:cNvPicPr>
+            <a:picLocks noChangeAspect="1" noChangeArrowheads="1"/>
+          </p:cNvPicPr>
+          <p:nvPr/>
+        </p:nvPicPr>
+        <p:blipFill rotWithShape="1">
+          <a:blip r:embed="rId2">
+            <a:extLst>
+              <a:ext uri="{28A0092B-C50C-407E-A947-70E740481C1C}">
+                <a14:useLocalDpi xmlns:a14="http://schemas.microsoft.com/office/drawing/2010/main" val="0"/>
+              </a:ext>
+            </a:extLst>
+          </a:blip>
+          <a:srcRect r="85115"/>
+          <a:stretch/>
+        </p:blipFill>
+        <p:spPr bwMode="auto">
+          <a:xfrm>
+            <a:off x="5113023" y="1729434"/>
+            <a:ext cx="1965959" cy="1558089"/>
+          </a:xfrm>
+          <a:prstGeom prst="rect">
+            <a:avLst/>
+          </a:prstGeom>
+          <a:noFill/>
+          <a:extLst>
+            <a:ext uri="{909E8E84-426E-40DD-AFC4-6F175D3DCCD1}">
+              <a14:hiddenFill xmlns:a14="http://schemas.microsoft.com/office/drawing/2010/main">
+                <a:solidFill>
+                  <a:srgbClr val="FFFFFF"/>
+                </a:solidFill>
+              </a14:hiddenFill>
+            </a:ext>
+          </a:extLst>
+        </p:spPr>
+      </p:pic>
+      <p:sp>
+        <p:nvSpPr>
+          <p:cNvPr id="4" name="TextBox 3">
+            <a:extLst>
+              <a:ext uri="{FF2B5EF4-FFF2-40B4-BE49-F238E27FC236}">
+                <a16:creationId xmlns:a16="http://schemas.microsoft.com/office/drawing/2014/main" id="{A803538B-1FB9-521B-5919-89A49B179058}"/>
+              </a:ext>
+            </a:extLst>
+          </p:cNvPr>
+          <p:cNvSpPr txBox="1"/>
+          <p:nvPr/>
+        </p:nvSpPr>
+        <p:spPr>
+          <a:xfrm>
+            <a:off x="3801140" y="3246545"/>
+            <a:ext cx="4589718" cy="769441"/>
+          </a:xfrm>
+          <a:prstGeom prst="rect">
+            <a:avLst/>
+          </a:prstGeom>
+          <a:noFill/>
+        </p:spPr>
+        <p:txBody>
+          <a:bodyPr wrap="none" rtlCol="0">
+            <a:spAutoFit/>
+          </a:bodyPr>
+          <a:lstStyle/>
+          <a:p>
+            <a:pPr algn="ctr"/>
+            <a:r>
+              <a:rPr lang="en-US" altLang="ko-KR" sz="4400" dirty="0">
+                <a:solidFill>
+                  <a:srgbClr val="F8CB50"/>
+                </a:solidFill>
+                <a:latin typeface="나눔고딕 ExtraBold" panose="020D0904000000000000" pitchFamily="50" charset="-127"/>
+                <a:ea typeface="나눔고딕 ExtraBold" panose="020D0904000000000000" pitchFamily="50" charset="-127"/>
+              </a:rPr>
+              <a:t>seong</a:t>
+            </a:r>
+            <a:r>
+              <a:rPr lang="en-US" altLang="ko-KR" sz="4400" dirty="0">
+                <a:solidFill>
+                  <a:srgbClr val="188BCB"/>
+                </a:solidFill>
+                <a:latin typeface="나눔고딕 ExtraBold" panose="020D0904000000000000" pitchFamily="50" charset="-127"/>
+                <a:ea typeface="나눔고딕 ExtraBold" panose="020D0904000000000000" pitchFamily="50" charset="-127"/>
+              </a:rPr>
+              <a:t>hwan</a:t>
+            </a:r>
+            <a:r>
+              <a:rPr lang="en-US" altLang="ko-KR" sz="4400" dirty="0">
+                <a:solidFill>
+                  <a:srgbClr val="B61D25"/>
+                </a:solidFill>
+                <a:latin typeface="나눔고딕 ExtraBold" panose="020D0904000000000000" pitchFamily="50" charset="-127"/>
+                <a:ea typeface="나눔고딕 ExtraBold" panose="020D0904000000000000" pitchFamily="50" charset="-127"/>
+              </a:rPr>
+              <a:t>7694</a:t>
+            </a:r>
+            <a:endParaRPr lang="ko-KR" altLang="en-US" sz="4400" dirty="0">
+              <a:solidFill>
+                <a:srgbClr val="B61D25"/>
+              </a:solidFill>
+              <a:latin typeface="나눔고딕 ExtraBold" panose="020D0904000000000000" pitchFamily="50" charset="-127"/>
+              <a:ea typeface="나눔고딕 ExtraBold" panose="020D0904000000000000" pitchFamily="50" charset="-127"/>
+            </a:endParaRPr>
+          </a:p>
+        </p:txBody>
+      </p:sp>
+      <p:pic>
+        <p:nvPicPr>
+          <p:cNvPr id="6" name="Picture 2">
+            <a:extLst>
+              <a:ext uri="{FF2B5EF4-FFF2-40B4-BE49-F238E27FC236}">
+                <a16:creationId xmlns:a16="http://schemas.microsoft.com/office/drawing/2014/main" id="{A09710D7-29F1-4631-7442-31D133536E41}"/>
+              </a:ext>
+            </a:extLst>
+          </p:cNvPr>
+          <p:cNvPicPr>
+            <a:picLocks noChangeAspect="1" noChangeArrowheads="1"/>
+          </p:cNvPicPr>
+          <p:nvPr/>
+        </p:nvPicPr>
+        <p:blipFill rotWithShape="1">
+          <a:blip r:embed="rId2">
+            <a:extLst>
+              <a:ext uri="{28A0092B-C50C-407E-A947-70E740481C1C}">
+                <a14:useLocalDpi xmlns:a14="http://schemas.microsoft.com/office/drawing/2010/main" val="0"/>
+              </a:ext>
+            </a:extLst>
+          </a:blip>
+          <a:srcRect l="19591" t="419" r="-3214" b="-419"/>
+          <a:stretch/>
+        </p:blipFill>
+        <p:spPr bwMode="auto">
+          <a:xfrm>
+            <a:off x="2584940" y="1992678"/>
+            <a:ext cx="7022119" cy="990623"/>
+          </a:xfrm>
+          <a:prstGeom prst="rect">
+            <a:avLst/>
+          </a:prstGeom>
+          <a:noFill/>
+          <a:extLst>
+            <a:ext uri="{909E8E84-426E-40DD-AFC4-6F175D3DCCD1}">
+              <a14:hiddenFill xmlns:a14="http://schemas.microsoft.com/office/drawing/2010/main">
+                <a:solidFill>
+                  <a:srgbClr val="FFFFFF"/>
+                </a:solidFill>
+              </a14:hiddenFill>
+            </a:ext>
+          </a:extLst>
+        </p:spPr>
+      </p:pic>
+      <p:sp>
+        <p:nvSpPr>
+          <p:cNvPr id="13" name="TextBox 12">
+            <a:extLst>
+              <a:ext uri="{FF2B5EF4-FFF2-40B4-BE49-F238E27FC236}">
+                <a16:creationId xmlns:a16="http://schemas.microsoft.com/office/drawing/2014/main" id="{B5886C92-B77B-ECA5-7A04-32ED9D3732F6}"/>
+              </a:ext>
+            </a:extLst>
+          </p:cNvPr>
+          <p:cNvSpPr txBox="1"/>
+          <p:nvPr/>
+        </p:nvSpPr>
+        <p:spPr>
+          <a:xfrm>
+            <a:off x="4139073" y="6212133"/>
+            <a:ext cx="3913851" cy="246221"/>
+          </a:xfrm>
+          <a:prstGeom prst="rect">
+            <a:avLst/>
+          </a:prstGeom>
+          <a:noFill/>
+        </p:spPr>
+        <p:txBody>
+          <a:bodyPr wrap="square" rtlCol="0">
+            <a:spAutoFit/>
+          </a:bodyPr>
+          <a:lstStyle/>
+          <a:p>
+            <a:pPr algn="ctr"/>
+            <a:r>
+              <a:rPr lang="en-US" altLang="ko-KR" sz="1000" dirty="0" err="1">
+                <a:latin typeface="나눔고딕 ExtraBold" panose="020D0904000000000000" pitchFamily="50" charset="-127"/>
+                <a:ea typeface="나눔고딕 ExtraBold" panose="020D0904000000000000" pitchFamily="50" charset="-127"/>
+              </a:rPr>
+              <a:t>Codeforces</a:t>
+            </a:r>
+            <a:r>
+              <a:rPr lang="en-US" altLang="ko-KR" sz="1000" dirty="0">
+                <a:latin typeface="나눔고딕 ExtraBold" panose="020D0904000000000000" pitchFamily="50" charset="-127"/>
+                <a:ea typeface="나눔고딕 ExtraBold" panose="020D0904000000000000" pitchFamily="50" charset="-127"/>
+              </a:rPr>
+              <a:t> Round #810 (Div. 2)</a:t>
+            </a:r>
+            <a:endParaRPr lang="ko-KR" altLang="en-US" sz="1000" dirty="0">
+              <a:latin typeface="나눔고딕 ExtraBold" panose="020D0904000000000000" pitchFamily="50" charset="-127"/>
+              <a:ea typeface="나눔고딕 ExtraBold" panose="020D0904000000000000" pitchFamily="50" charset="-127"/>
+            </a:endParaRPr>
+          </a:p>
+        </p:txBody>
+      </p:sp>
+      <p:sp>
+        <p:nvSpPr>
+          <p:cNvPr id="14" name="TextBox 13">
+            <a:extLst>
+              <a:ext uri="{FF2B5EF4-FFF2-40B4-BE49-F238E27FC236}">
+                <a16:creationId xmlns:a16="http://schemas.microsoft.com/office/drawing/2014/main" id="{FA2E5DFE-16F0-2A6E-1FF9-3B27FA9F736B}"/>
+              </a:ext>
+            </a:extLst>
+          </p:cNvPr>
+          <p:cNvSpPr txBox="1"/>
+          <p:nvPr/>
+        </p:nvSpPr>
+        <p:spPr>
+          <a:xfrm>
+            <a:off x="4830769" y="6405767"/>
+            <a:ext cx="2530457" cy="246221"/>
+          </a:xfrm>
+          <a:prstGeom prst="rect">
+            <a:avLst/>
+          </a:prstGeom>
+          <a:noFill/>
+        </p:spPr>
+        <p:txBody>
+          <a:bodyPr wrap="square" rtlCol="0">
+            <a:spAutoFit/>
+          </a:bodyPr>
+          <a:lstStyle/>
+          <a:p>
+            <a:pPr algn="ctr"/>
+            <a:r>
+              <a:rPr lang="en-US" altLang="ko-KR" sz="1000" dirty="0">
+                <a:latin typeface="나눔고딕 ExtraBold" panose="020D0904000000000000" pitchFamily="50" charset="-127"/>
+                <a:ea typeface="나눔고딕 ExtraBold" panose="020D0904000000000000" pitchFamily="50" charset="-127"/>
+              </a:rPr>
+              <a:t>Jul/24/2022 23:35</a:t>
+            </a:r>
+            <a:endParaRPr lang="ko-KR" altLang="en-US" sz="1000" dirty="0">
+              <a:latin typeface="나눔고딕 ExtraBold" panose="020D0904000000000000" pitchFamily="50" charset="-127"/>
+              <a:ea typeface="나눔고딕 ExtraBold" panose="020D0904000000000000" pitchFamily="50" charset="-127"/>
+            </a:endParaRPr>
+          </a:p>
+        </p:txBody>
+      </p:sp>
+      <p:sp>
+        <p:nvSpPr>
+          <p:cNvPr id="15" name="TextBox 14">
+            <a:extLst>
+              <a:ext uri="{FF2B5EF4-FFF2-40B4-BE49-F238E27FC236}">
+                <a16:creationId xmlns:a16="http://schemas.microsoft.com/office/drawing/2014/main" id="{CFF8F96D-14B7-98DE-155C-5B347CCBC064}"/>
+              </a:ext>
+            </a:extLst>
+          </p:cNvPr>
+          <p:cNvSpPr txBox="1"/>
+          <p:nvPr/>
+        </p:nvSpPr>
+        <p:spPr>
+          <a:xfrm>
+            <a:off x="5279913" y="4466728"/>
+            <a:ext cx="1632178" cy="707886"/>
+          </a:xfrm>
+          <a:prstGeom prst="rect">
+            <a:avLst/>
+          </a:prstGeom>
+          <a:noFill/>
+        </p:spPr>
+        <p:txBody>
+          <a:bodyPr wrap="none" rtlCol="0">
+            <a:spAutoFit/>
+          </a:bodyPr>
+          <a:lstStyle/>
+          <a:p>
+            <a:pPr algn="ctr"/>
+            <a:r>
+              <a:rPr lang="ko-KR" altLang="en-US" sz="4000">
+                <a:latin typeface="나눔고딕 ExtraBold" panose="020D0904000000000000" pitchFamily="50" charset="-127"/>
+                <a:ea typeface="나눔고딕 ExtraBold" panose="020D0904000000000000" pitchFamily="50" charset="-127"/>
+              </a:rPr>
+              <a:t>풀어요</a:t>
+            </a:r>
+            <a:endParaRPr lang="ko-KR" altLang="en-US" sz="4000" dirty="0">
+              <a:latin typeface="나눔고딕 ExtraBold" panose="020D0904000000000000" pitchFamily="50" charset="-127"/>
+              <a:ea typeface="나눔고딕 ExtraBold" panose="020D0904000000000000" pitchFamily="50" charset="-127"/>
+            </a:endParaRPr>
+          </a:p>
+        </p:txBody>
+      </p:sp>
+    </p:spTree>
+    <p:extLst>
+      <p:ext uri="{BB962C8B-B14F-4D97-AF65-F5344CB8AC3E}">
+        <p14:creationId xmlns:p14="http://schemas.microsoft.com/office/powerpoint/2010/main" val="519412823"/>
+      </p:ext>
+    </p:extLst>
+  </p:cSld>
+  <p:clrMapOvr>
+    <a:masterClrMapping/>
+  </p:clrMapOvr>
+</p:sld>
+</file>
+
 <file path=ppt/theme/theme1.xml><?xml version="1.0" encoding="utf-8"?>
 <a:theme xmlns:a="http://schemas.openxmlformats.org/drawingml/2006/main" name="Office 테마">
   <a:themeElements>
